--- a/computer-vision-research/progress-updates/28-08-2025.pptx
+++ b/computer-vision-research/progress-updates/28-08-2025.pptx
@@ -12,15 +12,20 @@
     <p:sldId id="273" r:id="rId6"/>
     <p:sldId id="258" r:id="rId7"/>
     <p:sldId id="259" r:id="rId8"/>
-    <p:sldId id="262" r:id="rId9"/>
-    <p:sldId id="263" r:id="rId10"/>
-    <p:sldId id="264" r:id="rId11"/>
-    <p:sldId id="265" r:id="rId12"/>
-    <p:sldId id="266" r:id="rId13"/>
-    <p:sldId id="267" r:id="rId14"/>
-    <p:sldId id="268" r:id="rId15"/>
-    <p:sldId id="269" r:id="rId16"/>
-    <p:sldId id="272" r:id="rId17"/>
+    <p:sldId id="274" r:id="rId9"/>
+    <p:sldId id="275" r:id="rId10"/>
+    <p:sldId id="276" r:id="rId11"/>
+    <p:sldId id="277" r:id="rId12"/>
+    <p:sldId id="263" r:id="rId13"/>
+    <p:sldId id="278" r:id="rId14"/>
+    <p:sldId id="262" r:id="rId15"/>
+    <p:sldId id="264" r:id="rId16"/>
+    <p:sldId id="265" r:id="rId17"/>
+    <p:sldId id="266" r:id="rId18"/>
+    <p:sldId id="267" r:id="rId19"/>
+    <p:sldId id="268" r:id="rId20"/>
+    <p:sldId id="269" r:id="rId21"/>
+    <p:sldId id="272" r:id="rId22"/>
   </p:sldIdLst>
   <p:sldSz cx="12192000" cy="6858000"/>
   <p:notesSz cx="6858000" cy="9144000"/>
@@ -276,7 +281,7 @@
           <a:p>
             <a:fld id="{57A3B359-620B-4CB7-8B4E-0FBE21EB8E65}" type="datetimeFigureOut">
               <a:rPr lang="en-IN" smtClean="0"/>
-              <a:t>28-08-2025</a:t>
+              <a:t>29-08-2025</a:t>
             </a:fld>
             <a:endParaRPr lang="en-IN"/>
           </a:p>
@@ -476,7 +481,7 @@
           <a:p>
             <a:fld id="{57A3B359-620B-4CB7-8B4E-0FBE21EB8E65}" type="datetimeFigureOut">
               <a:rPr lang="en-IN" smtClean="0"/>
-              <a:t>28-08-2025</a:t>
+              <a:t>29-08-2025</a:t>
             </a:fld>
             <a:endParaRPr lang="en-IN"/>
           </a:p>
@@ -686,7 +691,7 @@
           <a:p>
             <a:fld id="{57A3B359-620B-4CB7-8B4E-0FBE21EB8E65}" type="datetimeFigureOut">
               <a:rPr lang="en-IN" smtClean="0"/>
-              <a:t>28-08-2025</a:t>
+              <a:t>29-08-2025</a:t>
             </a:fld>
             <a:endParaRPr lang="en-IN"/>
           </a:p>
@@ -886,7 +891,7 @@
           <a:p>
             <a:fld id="{57A3B359-620B-4CB7-8B4E-0FBE21EB8E65}" type="datetimeFigureOut">
               <a:rPr lang="en-IN" smtClean="0"/>
-              <a:t>28-08-2025</a:t>
+              <a:t>29-08-2025</a:t>
             </a:fld>
             <a:endParaRPr lang="en-IN"/>
           </a:p>
@@ -1162,7 +1167,7 @@
           <a:p>
             <a:fld id="{57A3B359-620B-4CB7-8B4E-0FBE21EB8E65}" type="datetimeFigureOut">
               <a:rPr lang="en-IN" smtClean="0"/>
-              <a:t>28-08-2025</a:t>
+              <a:t>29-08-2025</a:t>
             </a:fld>
             <a:endParaRPr lang="en-IN"/>
           </a:p>
@@ -1430,7 +1435,7 @@
           <a:p>
             <a:fld id="{57A3B359-620B-4CB7-8B4E-0FBE21EB8E65}" type="datetimeFigureOut">
               <a:rPr lang="en-IN" smtClean="0"/>
-              <a:t>28-08-2025</a:t>
+              <a:t>29-08-2025</a:t>
             </a:fld>
             <a:endParaRPr lang="en-IN"/>
           </a:p>
@@ -1845,7 +1850,7 @@
           <a:p>
             <a:fld id="{57A3B359-620B-4CB7-8B4E-0FBE21EB8E65}" type="datetimeFigureOut">
               <a:rPr lang="en-IN" smtClean="0"/>
-              <a:t>28-08-2025</a:t>
+              <a:t>29-08-2025</a:t>
             </a:fld>
             <a:endParaRPr lang="en-IN"/>
           </a:p>
@@ -1987,7 +1992,7 @@
           <a:p>
             <a:fld id="{57A3B359-620B-4CB7-8B4E-0FBE21EB8E65}" type="datetimeFigureOut">
               <a:rPr lang="en-IN" smtClean="0"/>
-              <a:t>28-08-2025</a:t>
+              <a:t>29-08-2025</a:t>
             </a:fld>
             <a:endParaRPr lang="en-IN"/>
           </a:p>
@@ -2100,7 +2105,7 @@
           <a:p>
             <a:fld id="{57A3B359-620B-4CB7-8B4E-0FBE21EB8E65}" type="datetimeFigureOut">
               <a:rPr lang="en-IN" smtClean="0"/>
-              <a:t>28-08-2025</a:t>
+              <a:t>29-08-2025</a:t>
             </a:fld>
             <a:endParaRPr lang="en-IN"/>
           </a:p>
@@ -2413,7 +2418,7 @@
           <a:p>
             <a:fld id="{57A3B359-620B-4CB7-8B4E-0FBE21EB8E65}" type="datetimeFigureOut">
               <a:rPr lang="en-IN" smtClean="0"/>
-              <a:t>28-08-2025</a:t>
+              <a:t>29-08-2025</a:t>
             </a:fld>
             <a:endParaRPr lang="en-IN"/>
           </a:p>
@@ -2702,7 +2707,7 @@
           <a:p>
             <a:fld id="{57A3B359-620B-4CB7-8B4E-0FBE21EB8E65}" type="datetimeFigureOut">
               <a:rPr lang="en-IN" smtClean="0"/>
-              <a:t>28-08-2025</a:t>
+              <a:t>29-08-2025</a:t>
             </a:fld>
             <a:endParaRPr lang="en-IN"/>
           </a:p>
@@ -2945,7 +2950,7 @@
           <a:p>
             <a:fld id="{57A3B359-620B-4CB7-8B4E-0FBE21EB8E65}" type="datetimeFigureOut">
               <a:rPr lang="en-IN" smtClean="0"/>
-              <a:t>28-08-2025</a:t>
+              <a:t>29-08-2025</a:t>
             </a:fld>
             <a:endParaRPr lang="en-IN"/>
           </a:p>
@@ -3495,7 +3500,7 @@
           <p:cNvPr id="2" name="Title 1">
             <a:extLst>
               <a:ext uri="{FF2B5EF4-FFF2-40B4-BE49-F238E27FC236}">
-                <a16:creationId xmlns:a16="http://schemas.microsoft.com/office/drawing/2014/main" id="{F8CED76C-9ED9-50A4-D00F-929F3CA4B255}"/>
+                <a16:creationId xmlns:a16="http://schemas.microsoft.com/office/drawing/2014/main" id="{7953501E-B086-E846-F042-CE904F690964}"/>
               </a:ext>
             </a:extLst>
           </p:cNvPr>
@@ -3508,8 +3513,8 @@
         </p:nvSpPr>
         <p:spPr>
           <a:xfrm>
-            <a:off x="1019175" y="1031875"/>
-            <a:ext cx="10515600" cy="625475"/>
+            <a:off x="838200" y="681037"/>
+            <a:ext cx="10515600" cy="246062"/>
           </a:xfrm>
         </p:spPr>
         <p:txBody>
@@ -3518,81 +3523,158 @@
           </a:bodyPr>
           <a:lstStyle/>
           <a:p>
-            <a:pPr fontAlgn="base"/>
             <a:r>
               <a:rPr lang="en-US" b="1" dirty="0"/>
-              <a:t>	 Various Forms of Extrinsic Parameters</a:t>
+              <a:t>World coordinate system and camera coordinate system:</a:t>
             </a:r>
             <a:br>
               <a:rPr lang="en-US" b="1" dirty="0"/>
             </a:br>
-            <a:br>
-              <a:rPr lang="en-US" b="1" dirty="0"/>
-            </a:br>
+            <a:endParaRPr lang="en-IN" b="1" dirty="0"/>
+          </a:p>
+        </p:txBody>
+      </p:sp>
+      <p:sp>
+        <p:nvSpPr>
+          <p:cNvPr id="3" name="Content Placeholder 2">
+            <a:extLst>
+              <a:ext uri="{FF2B5EF4-FFF2-40B4-BE49-F238E27FC236}">
+                <a16:creationId xmlns:a16="http://schemas.microsoft.com/office/drawing/2014/main" id="{71113001-DE92-26A3-66C5-2F6BCFBE01AA}"/>
+              </a:ext>
+            </a:extLst>
+          </p:cNvPr>
+          <p:cNvSpPr>
+            <a:spLocks noGrp="1"/>
+          </p:cNvSpPr>
+          <p:nvPr>
+            <p:ph idx="1"/>
+          </p:nvPr>
+        </p:nvSpPr>
+        <p:spPr>
+          <a:xfrm>
+            <a:off x="838200" y="1028699"/>
+            <a:ext cx="10515600" cy="5148263"/>
+          </a:xfrm>
+        </p:spPr>
+        <p:txBody>
+          <a:bodyPr/>
+          <a:lstStyle/>
+          <a:p>
+            <a:r>
+              <a:rPr lang="en-US" dirty="0"/>
+              <a:t>3-d, right-handed system, all axes perpendicular.</a:t>
+            </a:r>
+          </a:p>
+          <a:p>
+            <a:r>
+              <a:rPr lang="en-US" dirty="0"/>
+              <a:t>Conversion is a rigid-body transformation(rigid cause it doesn’t change the shape.</a:t>
+            </a:r>
+          </a:p>
+          <a:p>
+            <a:r>
+              <a:rPr lang="en-US" dirty="0"/>
+              <a:t>Converting coordinate from one system to another we first rotate and make all axes parallel then we translate to make </a:t>
+            </a:r>
+            <a:r>
+              <a:rPr lang="en-US" dirty="0" err="1"/>
+              <a:t>em</a:t>
+            </a:r>
+            <a:r>
+              <a:rPr lang="en-US" dirty="0"/>
+              <a:t> algin together.</a:t>
+            </a:r>
+          </a:p>
+          <a:p>
+            <a:r>
+              <a:rPr lang="en-US" dirty="0"/>
+              <a:t>Rotation and translation determines the relationship.</a:t>
+            </a:r>
+          </a:p>
+          <a:p>
+            <a:r>
+              <a:rPr lang="en-US" dirty="0"/>
+              <a:t>Different equations used when rotating along different axes</a:t>
+            </a:r>
+          </a:p>
+          <a:p>
+            <a:r>
+              <a:rPr lang="en-US" dirty="0"/>
+              <a:t>Eg: for z-axis:</a:t>
+            </a:r>
+          </a:p>
+          <a:p>
+            <a:r>
+              <a:rPr lang="en-US" dirty="0"/>
+              <a:t>Note: z-coordinate </a:t>
+            </a:r>
+          </a:p>
+          <a:p>
+            <a:pPr marL="0" indent="0">
+              <a:buNone/>
+            </a:pPr>
+            <a:r>
+              <a:rPr lang="en-US" dirty="0"/>
+              <a:t>Wont change</a:t>
+            </a:r>
+          </a:p>
+          <a:p>
+            <a:endParaRPr lang="en-US" dirty="0"/>
+          </a:p>
+          <a:p>
+            <a:endParaRPr lang="en-US" dirty="0"/>
+          </a:p>
+          <a:p>
+            <a:endParaRPr lang="en-US" dirty="0"/>
+          </a:p>
+          <a:p>
+            <a:endParaRPr lang="en-US" dirty="0"/>
+          </a:p>
+          <a:p>
+            <a:endParaRPr lang="en-US" dirty="0"/>
+          </a:p>
+          <a:p>
+            <a:endParaRPr lang="en-US" dirty="0"/>
+          </a:p>
+          <a:p>
             <a:endParaRPr lang="en-IN" dirty="0"/>
           </a:p>
         </p:txBody>
       </p:sp>
-      <p:sp>
-        <p:nvSpPr>
-          <p:cNvPr id="3" name="Content Placeholder 2">
-            <a:extLst>
-              <a:ext uri="{FF2B5EF4-FFF2-40B4-BE49-F238E27FC236}">
-                <a16:creationId xmlns:a16="http://schemas.microsoft.com/office/drawing/2014/main" id="{A6F1C953-42E5-D6FA-9B2B-28C79BCA6B88}"/>
-              </a:ext>
-            </a:extLst>
-          </p:cNvPr>
-          <p:cNvSpPr>
-            <a:spLocks noGrp="1"/>
-          </p:cNvSpPr>
-          <p:nvPr>
-            <p:ph idx="1"/>
-          </p:nvPr>
-        </p:nvSpPr>
-        <p:spPr/>
-        <p:txBody>
-          <a:bodyPr>
-            <a:normAutofit/>
-          </a:bodyPr>
-          <a:lstStyle/>
-          <a:p>
-            <a:pPr marL="0" indent="0" fontAlgn="base">
-              <a:buNone/>
-            </a:pPr>
-            <a:r>
-              <a:rPr lang="en-US" b="1" dirty="0"/>
-              <a:t>Euler Angles</a:t>
-            </a:r>
-          </a:p>
-          <a:p>
-            <a:pPr marL="0" indent="0" fontAlgn="base">
-              <a:buNone/>
-            </a:pPr>
-            <a:r>
-              <a:rPr lang="en-US" dirty="0"/>
-              <a:t>Gimble lock issue</a:t>
-            </a:r>
-          </a:p>
-          <a:p>
-            <a:pPr fontAlgn="base"/>
-            <a:r>
-              <a:rPr lang="en-IN" b="1" dirty="0"/>
-              <a:t>Quaternions</a:t>
-            </a:r>
-          </a:p>
-          <a:p>
-            <a:pPr fontAlgn="base"/>
-            <a:r>
-              <a:rPr lang="en-IN" dirty="0"/>
-              <a:t>Don’t face gimble lock issue</a:t>
-            </a:r>
-          </a:p>
-        </p:txBody>
-      </p:sp>
+      <p:pic>
+        <p:nvPicPr>
+          <p:cNvPr id="5" name="Picture 4">
+            <a:extLst>
+              <a:ext uri="{FF2B5EF4-FFF2-40B4-BE49-F238E27FC236}">
+                <a16:creationId xmlns:a16="http://schemas.microsoft.com/office/drawing/2014/main" id="{13E27178-CFA6-7A9A-DBF5-8D9BA11F02FD}"/>
+              </a:ext>
+            </a:extLst>
+          </p:cNvPr>
+          <p:cNvPicPr>
+            <a:picLocks noChangeAspect="1"/>
+          </p:cNvPicPr>
+          <p:nvPr/>
+        </p:nvPicPr>
+        <p:blipFill>
+          <a:blip r:embed="rId2"/>
+          <a:stretch>
+            <a:fillRect/>
+          </a:stretch>
+        </p:blipFill>
+        <p:spPr>
+          <a:xfrm>
+            <a:off x="4182754" y="4324188"/>
+            <a:ext cx="4410691" cy="2324424"/>
+          </a:xfrm>
+          <a:prstGeom prst="rect">
+            <a:avLst/>
+          </a:prstGeom>
+        </p:spPr>
+      </p:pic>
     </p:spTree>
     <p:extLst>
       <p:ext uri="{BB962C8B-B14F-4D97-AF65-F5344CB8AC3E}">
-        <p14:creationId xmlns:p14="http://schemas.microsoft.com/office/powerpoint/2010/main" val="3517690085"/>
+        <p14:creationId xmlns:p14="http://schemas.microsoft.com/office/powerpoint/2010/main" val="3278106097"/>
       </p:ext>
     </p:extLst>
   </p:cSld>
@@ -3624,7 +3706,7 @@
           <p:cNvPr id="2" name="Title 1">
             <a:extLst>
               <a:ext uri="{FF2B5EF4-FFF2-40B4-BE49-F238E27FC236}">
-                <a16:creationId xmlns:a16="http://schemas.microsoft.com/office/drawing/2014/main" id="{23088D16-1391-9EA0-3860-EACB386FD0DB}"/>
+                <a16:creationId xmlns:a16="http://schemas.microsoft.com/office/drawing/2014/main" id="{96CB710C-44B8-B9B1-9F3A-8CDD29D01A1B}"/>
               </a:ext>
             </a:extLst>
           </p:cNvPr>
@@ -3635,51 +3717,94 @@
             <p:ph type="title"/>
           </p:nvPr>
         </p:nvSpPr>
-        <p:spPr/>
+        <p:spPr>
+          <a:xfrm>
+            <a:off x="127000" y="101601"/>
+            <a:ext cx="11849100" cy="579436"/>
+          </a:xfrm>
+        </p:spPr>
+        <p:txBody>
+          <a:bodyPr>
+            <a:normAutofit fontScale="90000"/>
+          </a:bodyPr>
+          <a:lstStyle/>
+          <a:p>
+            <a:r>
+              <a:rPr lang="en-US" dirty="0"/>
+              <a:t>World co-ordinate to pixel coordinate</a:t>
+            </a:r>
+            <a:endParaRPr lang="en-IN" dirty="0"/>
+          </a:p>
+        </p:txBody>
+      </p:sp>
+      <p:sp>
+        <p:nvSpPr>
+          <p:cNvPr id="3" name="Content Placeholder 2">
+            <a:extLst>
+              <a:ext uri="{FF2B5EF4-FFF2-40B4-BE49-F238E27FC236}">
+                <a16:creationId xmlns:a16="http://schemas.microsoft.com/office/drawing/2014/main" id="{14A3CA0E-9398-E99C-3854-BD1DCDA96DD4}"/>
+              </a:ext>
+            </a:extLst>
+          </p:cNvPr>
+          <p:cNvSpPr>
+            <a:spLocks noGrp="1"/>
+          </p:cNvSpPr>
+          <p:nvPr>
+            <p:ph idx="1"/>
+          </p:nvPr>
+        </p:nvSpPr>
+        <p:spPr>
+          <a:xfrm>
+            <a:off x="241300" y="812800"/>
+            <a:ext cx="11849100" cy="5943599"/>
+          </a:xfrm>
+        </p:spPr>
         <p:txBody>
           <a:bodyPr/>
           <a:lstStyle/>
           <a:p>
             <a:r>
               <a:rPr lang="en-US" dirty="0"/>
-              <a:t>Gimble lock</a:t>
+              <a:t>World c-o -&gt;Camera c-o -&gt; Image c-o -&gt;pixel- c-o</a:t>
             </a:r>
             <a:endParaRPr lang="en-IN" dirty="0"/>
           </a:p>
         </p:txBody>
       </p:sp>
-      <p:sp>
-        <p:nvSpPr>
-          <p:cNvPr id="3" name="Content Placeholder 2">
-            <a:extLst>
-              <a:ext uri="{FF2B5EF4-FFF2-40B4-BE49-F238E27FC236}">
-                <a16:creationId xmlns:a16="http://schemas.microsoft.com/office/drawing/2014/main" id="{9DA40794-2209-1459-DA83-0175694320A4}"/>
-              </a:ext>
-            </a:extLst>
-          </p:cNvPr>
-          <p:cNvSpPr>
-            <a:spLocks noGrp="1"/>
-          </p:cNvSpPr>
-          <p:nvPr>
-            <p:ph idx="1"/>
-          </p:nvPr>
-        </p:nvSpPr>
-        <p:spPr/>
-        <p:txBody>
-          <a:bodyPr/>
-          <a:lstStyle/>
-          <a:p>
-            <a:r>
-              <a:rPr lang="en-US" dirty="0"/>
-              <a:t>it occurs when the Pitch = +-90 deg. In this orientation, the Roll and Yaw angles will become mathematically unstable. </a:t>
-            </a:r>
-          </a:p>
-        </p:txBody>
-      </p:sp>
+      <p:pic>
+        <p:nvPicPr>
+          <p:cNvPr id="5" name="Picture 4">
+            <a:extLst>
+              <a:ext uri="{FF2B5EF4-FFF2-40B4-BE49-F238E27FC236}">
+                <a16:creationId xmlns:a16="http://schemas.microsoft.com/office/drawing/2014/main" id="{CAB42557-BDBE-391C-DE97-F7631A8E0101}"/>
+              </a:ext>
+            </a:extLst>
+          </p:cNvPr>
+          <p:cNvPicPr>
+            <a:picLocks noChangeAspect="1"/>
+          </p:cNvPicPr>
+          <p:nvPr/>
+        </p:nvPicPr>
+        <p:blipFill>
+          <a:blip r:embed="rId2"/>
+          <a:stretch>
+            <a:fillRect/>
+          </a:stretch>
+        </p:blipFill>
+        <p:spPr>
+          <a:xfrm>
+            <a:off x="531438" y="1509609"/>
+            <a:ext cx="5363323" cy="1476581"/>
+          </a:xfrm>
+          <a:prstGeom prst="rect">
+            <a:avLst/>
+          </a:prstGeom>
+        </p:spPr>
+      </p:pic>
     </p:spTree>
     <p:extLst>
       <p:ext uri="{BB962C8B-B14F-4D97-AF65-F5344CB8AC3E}">
-        <p14:creationId xmlns:p14="http://schemas.microsoft.com/office/powerpoint/2010/main" val="3279833082"/>
+        <p14:creationId xmlns:p14="http://schemas.microsoft.com/office/powerpoint/2010/main" val="3850797558"/>
       </p:ext>
     </p:extLst>
   </p:cSld>
@@ -3711,7 +3836,7 @@
           <p:cNvPr id="2" name="Title 1">
             <a:extLst>
               <a:ext uri="{FF2B5EF4-FFF2-40B4-BE49-F238E27FC236}">
-                <a16:creationId xmlns:a16="http://schemas.microsoft.com/office/drawing/2014/main" id="{490370B8-16A3-B090-0AE1-265D8EC38C96}"/>
+                <a16:creationId xmlns:a16="http://schemas.microsoft.com/office/drawing/2014/main" id="{90AF1611-354C-D8A0-23F9-7B75C548CFAF}"/>
               </a:ext>
             </a:extLst>
           </p:cNvPr>
@@ -3720,41 +3845,51 @@
           </p:cNvSpPr>
           <p:nvPr>
             <p:ph type="title"/>
-          </p:nvPr>
-        </p:nvSpPr>
-        <p:spPr/>
-        <p:txBody>
-          <a:bodyPr/>
-          <a:lstStyle/>
-          <a:p>
-            <a:r>
-              <a:rPr lang="en-US" dirty="0"/>
-              <a:t>Quaternions</a:t>
-            </a:r>
-            <a:endParaRPr lang="en-IN" dirty="0"/>
-          </a:p>
-        </p:txBody>
-      </p:sp>
-      <p:sp>
-        <p:nvSpPr>
-          <p:cNvPr id="3" name="Content Placeholder 2">
-            <a:extLst>
-              <a:ext uri="{FF2B5EF4-FFF2-40B4-BE49-F238E27FC236}">
-                <a16:creationId xmlns:a16="http://schemas.microsoft.com/office/drawing/2014/main" id="{ECC30F71-6666-7F4B-56E6-C6EAB6D6C9BC}"/>
-              </a:ext>
-            </a:extLst>
-          </p:cNvPr>
-          <p:cNvSpPr>
-            <a:spLocks noGrp="1"/>
-          </p:cNvSpPr>
-          <p:nvPr>
-            <p:ph idx="1"/>
           </p:nvPr>
         </p:nvSpPr>
         <p:spPr>
           <a:xfrm>
-            <a:off x="838200" y="1419225"/>
-            <a:ext cx="10515600" cy="4757738"/>
+            <a:off x="838200" y="355600"/>
+            <a:ext cx="10515600" cy="381000"/>
+          </a:xfrm>
+        </p:spPr>
+        <p:txBody>
+          <a:bodyPr>
+            <a:normAutofit fontScale="90000"/>
+          </a:bodyPr>
+          <a:lstStyle/>
+          <a:p>
+            <a:r>
+              <a:rPr lang="en-US" dirty="0"/>
+              <a:t>Intrinsic and extrinsic parameters:</a:t>
+            </a:r>
+            <a:br>
+              <a:rPr lang="en-US" dirty="0"/>
+            </a:br>
+            <a:endParaRPr lang="en-IN" dirty="0"/>
+          </a:p>
+        </p:txBody>
+      </p:sp>
+      <p:sp>
+        <p:nvSpPr>
+          <p:cNvPr id="3" name="Content Placeholder 2">
+            <a:extLst>
+              <a:ext uri="{FF2B5EF4-FFF2-40B4-BE49-F238E27FC236}">
+                <a16:creationId xmlns:a16="http://schemas.microsoft.com/office/drawing/2014/main" id="{DFC4FF0E-0BAA-CFC4-2477-7B103A14A1D0}"/>
+              </a:ext>
+            </a:extLst>
+          </p:cNvPr>
+          <p:cNvSpPr>
+            <a:spLocks noGrp="1"/>
+          </p:cNvSpPr>
+          <p:nvPr>
+            <p:ph idx="1"/>
+          </p:nvPr>
+        </p:nvSpPr>
+        <p:spPr>
+          <a:xfrm>
+            <a:off x="152400" y="546100"/>
+            <a:ext cx="11430000" cy="7259001"/>
           </a:xfrm>
         </p:spPr>
         <p:txBody>
@@ -3763,6 +3898,29 @@
           </a:bodyPr>
           <a:lstStyle/>
           <a:p>
+            <a:r>
+              <a:rPr lang="en-US" dirty="0"/>
+              <a:t>Intrinsic parameters include focal length, decenter coefficient, and skew coefficient.</a:t>
+            </a:r>
+            <a:br>
+              <a:rPr lang="en-US" dirty="0"/>
+            </a:br>
+            <a:r>
+              <a:rPr lang="en-US" dirty="0"/>
+              <a:t>(1) </a:t>
+            </a:r>
+            <a:r>
+              <a:rPr lang="en-US" b="1" dirty="0"/>
+              <a:t>Focal length</a:t>
+            </a:r>
+          </a:p>
+          <a:p>
+            <a:endParaRPr lang="en-US" dirty="0"/>
+          </a:p>
+          <a:p>
+            <a:endParaRPr lang="en-US" dirty="0"/>
+          </a:p>
+          <a:p>
             <a:pPr marL="0" indent="0">
               <a:buNone/>
             </a:pPr>
@@ -3771,56 +3929,213 @@
           <a:p>
             <a:r>
               <a:rPr lang="en-US" dirty="0"/>
-              <a:t>Quaternions are represented by packs of 4 numbers (</a:t>
-            </a:r>
-            <a:r>
-              <a:rPr lang="en-US" dirty="0" err="1"/>
-              <a:t>a,b,c,d</a:t>
-            </a:r>
-            <a:r>
-              <a:rPr lang="en-US" dirty="0"/>
-              <a:t>)</a:t>
-            </a:r>
-          </a:p>
-          <a:p>
-            <a:r>
-              <a:rPr lang="en-US" dirty="0"/>
-              <a:t>Quaternions of the form (a,0,0,0) behave exactly like real numbers a and are identified with them</a:t>
-            </a:r>
-          </a:p>
-          <a:p>
-            <a:r>
-              <a:rPr lang="en-US" dirty="0" err="1"/>
-              <a:t>i,j,k</a:t>
-            </a:r>
-            <a:r>
-              <a:rPr lang="en-US" dirty="0"/>
-              <a:t> are special quaternions defined by </a:t>
-            </a:r>
-            <a:r>
-              <a:rPr lang="en-US" dirty="0" err="1"/>
-              <a:t>i</a:t>
-            </a:r>
-            <a:r>
-              <a:rPr lang="en-US" dirty="0"/>
-              <a:t>=(0,1,0,0) j=(0,0,1,0) and k=(0,0,0,1)</a:t>
-            </a:r>
-          </a:p>
-          <a:p>
-            <a:r>
-              <a:rPr lang="en-US" dirty="0"/>
-              <a:t>Addition and subtraction of quaternions is component-wise</a:t>
-            </a:r>
+              <a:t>(2) </a:t>
+            </a:r>
+            <a:r>
+              <a:rPr lang="en-US" b="1" dirty="0"/>
+              <a:t>Decenter coefficient: </a:t>
+            </a:r>
+            <a:r>
+              <a:rPr lang="en-US" dirty="0"/>
+              <a:t>offset by misalignment of lens.</a:t>
+            </a:r>
+            <a:br>
+              <a:rPr lang="en-US" dirty="0"/>
+            </a:br>
+            <a:r>
+              <a:rPr lang="en-US" dirty="0"/>
+              <a:t>(3) </a:t>
+            </a:r>
+            <a:r>
+              <a:rPr lang="en-US" b="1" dirty="0"/>
+              <a:t>Skew Coefficient: </a:t>
+            </a:r>
+            <a:r>
+              <a:rPr lang="en-US" dirty="0"/>
+              <a:t>when image plane is skew, transformation is needed.</a:t>
+            </a:r>
+          </a:p>
+          <a:p>
+            <a:pPr lvl="1"/>
+            <a:r>
+              <a:rPr lang="en-US" dirty="0"/>
+              <a:t>Why transformation from rectangular to skew plane?</a:t>
+            </a:r>
+          </a:p>
+          <a:p>
+            <a:pPr fontAlgn="base"/>
+            <a:r>
+              <a:rPr lang="en-US" b="1" dirty="0"/>
+              <a:t>Extrinsic parameters:</a:t>
+            </a:r>
+          </a:p>
+          <a:p>
+            <a:pPr marL="0" indent="0">
+              <a:buNone/>
+            </a:pPr>
+            <a:r>
+              <a:rPr lang="en-US" sz="2400" dirty="0"/>
+              <a:t>Represents relative position </a:t>
+            </a:r>
+          </a:p>
+          <a:p>
+            <a:pPr marL="0" indent="0">
+              <a:buNone/>
+            </a:pPr>
+            <a:r>
+              <a:rPr lang="en-US" sz="2400" dirty="0"/>
+              <a:t>and orientation </a:t>
+            </a:r>
+          </a:p>
+          <a:p>
+            <a:pPr marL="0" indent="0">
+              <a:buNone/>
+            </a:pPr>
+            <a:r>
+              <a:rPr lang="en-US" sz="2400" dirty="0"/>
+              <a:t>between </a:t>
+            </a:r>
+            <a:r>
+              <a:rPr lang="en-US" sz="2400" dirty="0" err="1"/>
+              <a:t>tof</a:t>
+            </a:r>
+            <a:r>
+              <a:rPr lang="en-US" sz="2400" dirty="0"/>
+              <a:t> camera</a:t>
+            </a:r>
+          </a:p>
+          <a:p>
+            <a:pPr marL="0" indent="0">
+              <a:buNone/>
+            </a:pPr>
+            <a:r>
+              <a:rPr lang="en-US" sz="2400" dirty="0"/>
+              <a:t> and RGB camera,</a:t>
+            </a:r>
+          </a:p>
+          <a:p>
+            <a:pPr marL="0" indent="0">
+              <a:buNone/>
+            </a:pPr>
+            <a:endParaRPr lang="en-US" dirty="0"/>
+          </a:p>
+          <a:p>
+            <a:endParaRPr lang="en-US" dirty="0"/>
+          </a:p>
+          <a:p>
+            <a:endParaRPr lang="en-US" dirty="0"/>
+          </a:p>
+          <a:p>
+            <a:endParaRPr lang="en-US" dirty="0"/>
+          </a:p>
+          <a:p>
+            <a:endParaRPr lang="en-US" dirty="0"/>
+          </a:p>
+          <a:p>
+            <a:endParaRPr lang="en-US" dirty="0"/>
+          </a:p>
+          <a:p>
+            <a:endParaRPr lang="en-US" dirty="0"/>
           </a:p>
           <a:p>
             <a:endParaRPr lang="en-IN" dirty="0"/>
           </a:p>
         </p:txBody>
       </p:sp>
+      <p:pic>
+        <p:nvPicPr>
+          <p:cNvPr id="5" name="Picture 4">
+            <a:extLst>
+              <a:ext uri="{FF2B5EF4-FFF2-40B4-BE49-F238E27FC236}">
+                <a16:creationId xmlns:a16="http://schemas.microsoft.com/office/drawing/2014/main" id="{1C7B4EF8-0A03-BD9E-E27A-B487F3F35793}"/>
+              </a:ext>
+            </a:extLst>
+          </p:cNvPr>
+          <p:cNvPicPr>
+            <a:picLocks noChangeAspect="1"/>
+          </p:cNvPicPr>
+          <p:nvPr/>
+        </p:nvPicPr>
+        <p:blipFill>
+          <a:blip r:embed="rId2"/>
+          <a:stretch>
+            <a:fillRect/>
+          </a:stretch>
+        </p:blipFill>
+        <p:spPr>
+          <a:xfrm>
+            <a:off x="3048000" y="1088876"/>
+            <a:ext cx="3846940" cy="2123273"/>
+          </a:xfrm>
+          <a:prstGeom prst="rect">
+            <a:avLst/>
+          </a:prstGeom>
+        </p:spPr>
+      </p:pic>
+      <p:pic>
+        <p:nvPicPr>
+          <p:cNvPr id="7" name="Picture 6">
+            <a:extLst>
+              <a:ext uri="{FF2B5EF4-FFF2-40B4-BE49-F238E27FC236}">
+                <a16:creationId xmlns:a16="http://schemas.microsoft.com/office/drawing/2014/main" id="{0221BA09-2767-E410-9772-E8F31A2FC343}"/>
+              </a:ext>
+            </a:extLst>
+          </p:cNvPr>
+          <p:cNvPicPr>
+            <a:picLocks noChangeAspect="1"/>
+          </p:cNvPicPr>
+          <p:nvPr/>
+        </p:nvPicPr>
+        <p:blipFill>
+          <a:blip r:embed="rId3"/>
+          <a:stretch>
+            <a:fillRect/>
+          </a:stretch>
+        </p:blipFill>
+        <p:spPr>
+          <a:xfrm>
+            <a:off x="7934418" y="4810903"/>
+            <a:ext cx="4240567" cy="1479822"/>
+          </a:xfrm>
+          <a:prstGeom prst="rect">
+            <a:avLst/>
+          </a:prstGeom>
+        </p:spPr>
+      </p:pic>
+      <p:pic>
+        <p:nvPicPr>
+          <p:cNvPr id="9" name="Picture 8">
+            <a:extLst>
+              <a:ext uri="{FF2B5EF4-FFF2-40B4-BE49-F238E27FC236}">
+                <a16:creationId xmlns:a16="http://schemas.microsoft.com/office/drawing/2014/main" id="{2677B2D6-8081-F8B2-0CBC-EE07269E86D6}"/>
+              </a:ext>
+            </a:extLst>
+          </p:cNvPr>
+          <p:cNvPicPr>
+            <a:picLocks noChangeAspect="1"/>
+          </p:cNvPicPr>
+          <p:nvPr/>
+        </p:nvPicPr>
+        <p:blipFill>
+          <a:blip r:embed="rId4"/>
+          <a:stretch>
+            <a:fillRect/>
+          </a:stretch>
+        </p:blipFill>
+        <p:spPr>
+          <a:xfrm>
+            <a:off x="3800381" y="4641578"/>
+            <a:ext cx="4134037" cy="1818473"/>
+          </a:xfrm>
+          <a:prstGeom prst="rect">
+            <a:avLst/>
+          </a:prstGeom>
+        </p:spPr>
+      </p:pic>
     </p:spTree>
     <p:extLst>
       <p:ext uri="{BB962C8B-B14F-4D97-AF65-F5344CB8AC3E}">
-        <p14:creationId xmlns:p14="http://schemas.microsoft.com/office/powerpoint/2010/main" val="4066533624"/>
+        <p14:creationId xmlns:p14="http://schemas.microsoft.com/office/powerpoint/2010/main" val="1069672703"/>
       </p:ext>
     </p:extLst>
   </p:cSld>
@@ -3852,6 +4167,594 @@
           <p:cNvPr id="2" name="Title 1">
             <a:extLst>
               <a:ext uri="{FF2B5EF4-FFF2-40B4-BE49-F238E27FC236}">
+                <a16:creationId xmlns:a16="http://schemas.microsoft.com/office/drawing/2014/main" id="{B1FEB6D5-119B-CD55-2D5E-7C9844F78365}"/>
+              </a:ext>
+            </a:extLst>
+          </p:cNvPr>
+          <p:cNvSpPr>
+            <a:spLocks noGrp="1"/>
+          </p:cNvSpPr>
+          <p:nvPr>
+            <p:ph type="title"/>
+          </p:nvPr>
+        </p:nvSpPr>
+        <p:spPr>
+          <a:xfrm>
+            <a:off x="114300" y="152401"/>
+            <a:ext cx="11836400" cy="736599"/>
+          </a:xfrm>
+        </p:spPr>
+        <p:txBody>
+          <a:bodyPr/>
+          <a:lstStyle/>
+          <a:p>
+            <a:r>
+              <a:rPr lang="en-US" dirty="0"/>
+              <a:t>Depth map into point cloud map</a:t>
+            </a:r>
+            <a:endParaRPr lang="en-IN" dirty="0"/>
+          </a:p>
+        </p:txBody>
+      </p:sp>
+      <p:sp>
+        <p:nvSpPr>
+          <p:cNvPr id="3" name="Content Placeholder 2">
+            <a:extLst>
+              <a:ext uri="{FF2B5EF4-FFF2-40B4-BE49-F238E27FC236}">
+                <a16:creationId xmlns:a16="http://schemas.microsoft.com/office/drawing/2014/main" id="{D3668B0E-4785-4A45-956C-B3AECD885764}"/>
+              </a:ext>
+            </a:extLst>
+          </p:cNvPr>
+          <p:cNvSpPr>
+            <a:spLocks noGrp="1"/>
+          </p:cNvSpPr>
+          <p:nvPr>
+            <p:ph idx="1"/>
+          </p:nvPr>
+        </p:nvSpPr>
+        <p:spPr>
+          <a:xfrm>
+            <a:off x="114300" y="1054100"/>
+            <a:ext cx="11976100" cy="5122863"/>
+          </a:xfrm>
+        </p:spPr>
+        <p:txBody>
+          <a:bodyPr/>
+          <a:lstStyle/>
+          <a:p>
+            <a:r>
+              <a:rPr lang="en-US" dirty="0"/>
+              <a:t>How is depth map made?</a:t>
+            </a:r>
+          </a:p>
+          <a:p>
+            <a:r>
+              <a:rPr lang="en-US" dirty="0"/>
+              <a:t>How is point cloud made?</a:t>
+            </a:r>
+          </a:p>
+          <a:p>
+            <a:r>
+              <a:rPr lang="en-US" dirty="0"/>
+              <a:t>Converting pixel in a depth image </a:t>
+            </a:r>
+          </a:p>
+          <a:p>
+            <a:r>
+              <a:rPr lang="en-US" dirty="0"/>
+              <a:t>into a point in 3d space </a:t>
+            </a:r>
+            <a:endParaRPr lang="en-IN" dirty="0"/>
+          </a:p>
+        </p:txBody>
+      </p:sp>
+      <p:pic>
+        <p:nvPicPr>
+          <p:cNvPr id="5" name="Picture 4">
+            <a:extLst>
+              <a:ext uri="{FF2B5EF4-FFF2-40B4-BE49-F238E27FC236}">
+                <a16:creationId xmlns:a16="http://schemas.microsoft.com/office/drawing/2014/main" id="{FC104929-E7A4-6A3F-DAD9-6FEF21182CA5}"/>
+              </a:ext>
+            </a:extLst>
+          </p:cNvPr>
+          <p:cNvPicPr>
+            <a:picLocks noChangeAspect="1"/>
+          </p:cNvPicPr>
+          <p:nvPr/>
+        </p:nvPicPr>
+        <p:blipFill>
+          <a:blip r:embed="rId2"/>
+          <a:stretch>
+            <a:fillRect/>
+          </a:stretch>
+        </p:blipFill>
+        <p:spPr>
+          <a:xfrm>
+            <a:off x="8213481" y="262263"/>
+            <a:ext cx="3486637" cy="3353268"/>
+          </a:xfrm>
+          <a:prstGeom prst="rect">
+            <a:avLst/>
+          </a:prstGeom>
+        </p:spPr>
+      </p:pic>
+    </p:spTree>
+    <p:extLst>
+      <p:ext uri="{BB962C8B-B14F-4D97-AF65-F5344CB8AC3E}">
+        <p14:creationId xmlns:p14="http://schemas.microsoft.com/office/powerpoint/2010/main" val="847604499"/>
+      </p:ext>
+    </p:extLst>
+  </p:cSld>
+  <p:clrMapOvr>
+    <a:masterClrMapping/>
+  </p:clrMapOvr>
+</p:sld>
+</file>
+
+<file path=ppt/slides/slide14.xml><?xml version="1.0" encoding="utf-8"?>
+<p:sld xmlns:a="http://schemas.openxmlformats.org/drawingml/2006/main" xmlns:r="http://schemas.openxmlformats.org/officeDocument/2006/relationships" xmlns:p="http://schemas.openxmlformats.org/presentationml/2006/main">
+  <p:cSld>
+    <p:spTree>
+      <p:nvGrpSpPr>
+        <p:cNvPr id="1" name=""/>
+        <p:cNvGrpSpPr/>
+        <p:nvPr/>
+      </p:nvGrpSpPr>
+      <p:grpSpPr>
+        <a:xfrm>
+          <a:off x="0" y="0"/>
+          <a:ext cx="0" cy="0"/>
+          <a:chOff x="0" y="0"/>
+          <a:chExt cx="0" cy="0"/>
+        </a:xfrm>
+      </p:grpSpPr>
+      <p:sp>
+        <p:nvSpPr>
+          <p:cNvPr id="2" name="Title 1">
+            <a:extLst>
+              <a:ext uri="{FF2B5EF4-FFF2-40B4-BE49-F238E27FC236}">
+                <a16:creationId xmlns:a16="http://schemas.microsoft.com/office/drawing/2014/main" id="{65F51323-115A-09F4-C9EA-F64EAB0A4B76}"/>
+              </a:ext>
+            </a:extLst>
+          </p:cNvPr>
+          <p:cNvSpPr>
+            <a:spLocks noGrp="1"/>
+          </p:cNvSpPr>
+          <p:nvPr>
+            <p:ph type="title"/>
+          </p:nvPr>
+        </p:nvSpPr>
+        <p:spPr/>
+        <p:txBody>
+          <a:bodyPr/>
+          <a:lstStyle/>
+          <a:p>
+            <a:endParaRPr lang="en-IN" dirty="0"/>
+          </a:p>
+        </p:txBody>
+      </p:sp>
+      <p:sp>
+        <p:nvSpPr>
+          <p:cNvPr id="3" name="Content Placeholder 2">
+            <a:extLst>
+              <a:ext uri="{FF2B5EF4-FFF2-40B4-BE49-F238E27FC236}">
+                <a16:creationId xmlns:a16="http://schemas.microsoft.com/office/drawing/2014/main" id="{073A089F-E3E3-7992-FBE6-698502CA66C0}"/>
+              </a:ext>
+            </a:extLst>
+          </p:cNvPr>
+          <p:cNvSpPr>
+            <a:spLocks noGrp="1"/>
+          </p:cNvSpPr>
+          <p:nvPr>
+            <p:ph idx="1"/>
+          </p:nvPr>
+        </p:nvSpPr>
+        <p:spPr/>
+        <p:txBody>
+          <a:bodyPr>
+            <a:normAutofit/>
+          </a:bodyPr>
+          <a:lstStyle/>
+          <a:p>
+            <a:endParaRPr lang="en-US" dirty="0"/>
+          </a:p>
+          <a:p>
+            <a:endParaRPr lang="en-IN" dirty="0"/>
+          </a:p>
+        </p:txBody>
+      </p:sp>
+    </p:spTree>
+    <p:extLst>
+      <p:ext uri="{BB962C8B-B14F-4D97-AF65-F5344CB8AC3E}">
+        <p14:creationId xmlns:p14="http://schemas.microsoft.com/office/powerpoint/2010/main" val="269156303"/>
+      </p:ext>
+    </p:extLst>
+  </p:cSld>
+  <p:clrMapOvr>
+    <a:masterClrMapping/>
+  </p:clrMapOvr>
+</p:sld>
+</file>
+
+<file path=ppt/slides/slide15.xml><?xml version="1.0" encoding="utf-8"?>
+<p:sld xmlns:a="http://schemas.openxmlformats.org/drawingml/2006/main" xmlns:r="http://schemas.openxmlformats.org/officeDocument/2006/relationships" xmlns:p="http://schemas.openxmlformats.org/presentationml/2006/main">
+  <p:cSld>
+    <p:spTree>
+      <p:nvGrpSpPr>
+        <p:cNvPr id="1" name=""/>
+        <p:cNvGrpSpPr/>
+        <p:nvPr/>
+      </p:nvGrpSpPr>
+      <p:grpSpPr>
+        <a:xfrm>
+          <a:off x="0" y="0"/>
+          <a:ext cx="0" cy="0"/>
+          <a:chOff x="0" y="0"/>
+          <a:chExt cx="0" cy="0"/>
+        </a:xfrm>
+      </p:grpSpPr>
+      <p:sp>
+        <p:nvSpPr>
+          <p:cNvPr id="2" name="Title 1">
+            <a:extLst>
+              <a:ext uri="{FF2B5EF4-FFF2-40B4-BE49-F238E27FC236}">
+                <a16:creationId xmlns:a16="http://schemas.microsoft.com/office/drawing/2014/main" id="{F8CED76C-9ED9-50A4-D00F-929F3CA4B255}"/>
+              </a:ext>
+            </a:extLst>
+          </p:cNvPr>
+          <p:cNvSpPr>
+            <a:spLocks noGrp="1"/>
+          </p:cNvSpPr>
+          <p:nvPr>
+            <p:ph type="title"/>
+          </p:nvPr>
+        </p:nvSpPr>
+        <p:spPr>
+          <a:xfrm>
+            <a:off x="1019175" y="1031875"/>
+            <a:ext cx="10515600" cy="625475"/>
+          </a:xfrm>
+        </p:spPr>
+        <p:txBody>
+          <a:bodyPr>
+            <a:normAutofit fontScale="90000"/>
+          </a:bodyPr>
+          <a:lstStyle/>
+          <a:p>
+            <a:pPr fontAlgn="base"/>
+            <a:r>
+              <a:rPr lang="en-US" b="1" dirty="0"/>
+              <a:t>	 Various Forms of Extrinsic Parameters</a:t>
+            </a:r>
+            <a:br>
+              <a:rPr lang="en-US" b="1" dirty="0"/>
+            </a:br>
+            <a:br>
+              <a:rPr lang="en-US" b="1" dirty="0"/>
+            </a:br>
+            <a:endParaRPr lang="en-IN" dirty="0"/>
+          </a:p>
+        </p:txBody>
+      </p:sp>
+      <p:sp>
+        <p:nvSpPr>
+          <p:cNvPr id="3" name="Content Placeholder 2">
+            <a:extLst>
+              <a:ext uri="{FF2B5EF4-FFF2-40B4-BE49-F238E27FC236}">
+                <a16:creationId xmlns:a16="http://schemas.microsoft.com/office/drawing/2014/main" id="{A6F1C953-42E5-D6FA-9B2B-28C79BCA6B88}"/>
+              </a:ext>
+            </a:extLst>
+          </p:cNvPr>
+          <p:cNvSpPr>
+            <a:spLocks noGrp="1"/>
+          </p:cNvSpPr>
+          <p:nvPr>
+            <p:ph idx="1"/>
+          </p:nvPr>
+        </p:nvSpPr>
+        <p:spPr/>
+        <p:txBody>
+          <a:bodyPr>
+            <a:normAutofit/>
+          </a:bodyPr>
+          <a:lstStyle/>
+          <a:p>
+            <a:pPr marL="0" indent="0" fontAlgn="base">
+              <a:buNone/>
+            </a:pPr>
+            <a:r>
+              <a:rPr lang="en-US" b="1" dirty="0"/>
+              <a:t>Euler Angles</a:t>
+            </a:r>
+          </a:p>
+          <a:p>
+            <a:pPr marL="0" indent="0" fontAlgn="base">
+              <a:buNone/>
+            </a:pPr>
+            <a:r>
+              <a:rPr lang="en-US" dirty="0"/>
+              <a:t>Gimble lock issue</a:t>
+            </a:r>
+          </a:p>
+          <a:p>
+            <a:pPr fontAlgn="base"/>
+            <a:r>
+              <a:rPr lang="en-IN" b="1" dirty="0"/>
+              <a:t>Quaternions</a:t>
+            </a:r>
+          </a:p>
+          <a:p>
+            <a:pPr fontAlgn="base"/>
+            <a:r>
+              <a:rPr lang="en-IN" dirty="0"/>
+              <a:t>Don’t face gimble lock issue</a:t>
+            </a:r>
+          </a:p>
+        </p:txBody>
+      </p:sp>
+    </p:spTree>
+    <p:extLst>
+      <p:ext uri="{BB962C8B-B14F-4D97-AF65-F5344CB8AC3E}">
+        <p14:creationId xmlns:p14="http://schemas.microsoft.com/office/powerpoint/2010/main" val="3517690085"/>
+      </p:ext>
+    </p:extLst>
+  </p:cSld>
+  <p:clrMapOvr>
+    <a:masterClrMapping/>
+  </p:clrMapOvr>
+</p:sld>
+</file>
+
+<file path=ppt/slides/slide16.xml><?xml version="1.0" encoding="utf-8"?>
+<p:sld xmlns:a="http://schemas.openxmlformats.org/drawingml/2006/main" xmlns:r="http://schemas.openxmlformats.org/officeDocument/2006/relationships" xmlns:p="http://schemas.openxmlformats.org/presentationml/2006/main">
+  <p:cSld>
+    <p:spTree>
+      <p:nvGrpSpPr>
+        <p:cNvPr id="1" name=""/>
+        <p:cNvGrpSpPr/>
+        <p:nvPr/>
+      </p:nvGrpSpPr>
+      <p:grpSpPr>
+        <a:xfrm>
+          <a:off x="0" y="0"/>
+          <a:ext cx="0" cy="0"/>
+          <a:chOff x="0" y="0"/>
+          <a:chExt cx="0" cy="0"/>
+        </a:xfrm>
+      </p:grpSpPr>
+      <p:sp>
+        <p:nvSpPr>
+          <p:cNvPr id="2" name="Title 1">
+            <a:extLst>
+              <a:ext uri="{FF2B5EF4-FFF2-40B4-BE49-F238E27FC236}">
+                <a16:creationId xmlns:a16="http://schemas.microsoft.com/office/drawing/2014/main" id="{23088D16-1391-9EA0-3860-EACB386FD0DB}"/>
+              </a:ext>
+            </a:extLst>
+          </p:cNvPr>
+          <p:cNvSpPr>
+            <a:spLocks noGrp="1"/>
+          </p:cNvSpPr>
+          <p:nvPr>
+            <p:ph type="title"/>
+          </p:nvPr>
+        </p:nvSpPr>
+        <p:spPr/>
+        <p:txBody>
+          <a:bodyPr/>
+          <a:lstStyle/>
+          <a:p>
+            <a:r>
+              <a:rPr lang="en-US" dirty="0"/>
+              <a:t>Gimble lock</a:t>
+            </a:r>
+            <a:endParaRPr lang="en-IN" dirty="0"/>
+          </a:p>
+        </p:txBody>
+      </p:sp>
+      <p:sp>
+        <p:nvSpPr>
+          <p:cNvPr id="3" name="Content Placeholder 2">
+            <a:extLst>
+              <a:ext uri="{FF2B5EF4-FFF2-40B4-BE49-F238E27FC236}">
+                <a16:creationId xmlns:a16="http://schemas.microsoft.com/office/drawing/2014/main" id="{9DA40794-2209-1459-DA83-0175694320A4}"/>
+              </a:ext>
+            </a:extLst>
+          </p:cNvPr>
+          <p:cNvSpPr>
+            <a:spLocks noGrp="1"/>
+          </p:cNvSpPr>
+          <p:nvPr>
+            <p:ph idx="1"/>
+          </p:nvPr>
+        </p:nvSpPr>
+        <p:spPr/>
+        <p:txBody>
+          <a:bodyPr/>
+          <a:lstStyle/>
+          <a:p>
+            <a:r>
+              <a:rPr lang="en-US" dirty="0"/>
+              <a:t>it occurs when the Pitch = +-90 deg. In this orientation, the Roll and Yaw angles will become mathematically unstable. </a:t>
+            </a:r>
+          </a:p>
+        </p:txBody>
+      </p:sp>
+    </p:spTree>
+    <p:extLst>
+      <p:ext uri="{BB962C8B-B14F-4D97-AF65-F5344CB8AC3E}">
+        <p14:creationId xmlns:p14="http://schemas.microsoft.com/office/powerpoint/2010/main" val="3279833082"/>
+      </p:ext>
+    </p:extLst>
+  </p:cSld>
+  <p:clrMapOvr>
+    <a:masterClrMapping/>
+  </p:clrMapOvr>
+</p:sld>
+</file>
+
+<file path=ppt/slides/slide17.xml><?xml version="1.0" encoding="utf-8"?>
+<p:sld xmlns:a="http://schemas.openxmlformats.org/drawingml/2006/main" xmlns:r="http://schemas.openxmlformats.org/officeDocument/2006/relationships" xmlns:p="http://schemas.openxmlformats.org/presentationml/2006/main">
+  <p:cSld>
+    <p:spTree>
+      <p:nvGrpSpPr>
+        <p:cNvPr id="1" name=""/>
+        <p:cNvGrpSpPr/>
+        <p:nvPr/>
+      </p:nvGrpSpPr>
+      <p:grpSpPr>
+        <a:xfrm>
+          <a:off x="0" y="0"/>
+          <a:ext cx="0" cy="0"/>
+          <a:chOff x="0" y="0"/>
+          <a:chExt cx="0" cy="0"/>
+        </a:xfrm>
+      </p:grpSpPr>
+      <p:sp>
+        <p:nvSpPr>
+          <p:cNvPr id="2" name="Title 1">
+            <a:extLst>
+              <a:ext uri="{FF2B5EF4-FFF2-40B4-BE49-F238E27FC236}">
+                <a16:creationId xmlns:a16="http://schemas.microsoft.com/office/drawing/2014/main" id="{490370B8-16A3-B090-0AE1-265D8EC38C96}"/>
+              </a:ext>
+            </a:extLst>
+          </p:cNvPr>
+          <p:cNvSpPr>
+            <a:spLocks noGrp="1"/>
+          </p:cNvSpPr>
+          <p:nvPr>
+            <p:ph type="title"/>
+          </p:nvPr>
+        </p:nvSpPr>
+        <p:spPr/>
+        <p:txBody>
+          <a:bodyPr/>
+          <a:lstStyle/>
+          <a:p>
+            <a:r>
+              <a:rPr lang="en-US" dirty="0"/>
+              <a:t>Quaternions</a:t>
+            </a:r>
+            <a:endParaRPr lang="en-IN" dirty="0"/>
+          </a:p>
+        </p:txBody>
+      </p:sp>
+      <p:sp>
+        <p:nvSpPr>
+          <p:cNvPr id="3" name="Content Placeholder 2">
+            <a:extLst>
+              <a:ext uri="{FF2B5EF4-FFF2-40B4-BE49-F238E27FC236}">
+                <a16:creationId xmlns:a16="http://schemas.microsoft.com/office/drawing/2014/main" id="{ECC30F71-6666-7F4B-56E6-C6EAB6D6C9BC}"/>
+              </a:ext>
+            </a:extLst>
+          </p:cNvPr>
+          <p:cNvSpPr>
+            <a:spLocks noGrp="1"/>
+          </p:cNvSpPr>
+          <p:nvPr>
+            <p:ph idx="1"/>
+          </p:nvPr>
+        </p:nvSpPr>
+        <p:spPr>
+          <a:xfrm>
+            <a:off x="838200" y="1419225"/>
+            <a:ext cx="10515600" cy="4757738"/>
+          </a:xfrm>
+        </p:spPr>
+        <p:txBody>
+          <a:bodyPr>
+            <a:normAutofit/>
+          </a:bodyPr>
+          <a:lstStyle/>
+          <a:p>
+            <a:pPr marL="0" indent="0">
+              <a:buNone/>
+            </a:pPr>
+            <a:endParaRPr lang="en-US" dirty="0"/>
+          </a:p>
+          <a:p>
+            <a:r>
+              <a:rPr lang="en-US" dirty="0"/>
+              <a:t>Quaternions are represented by packs of 4 numbers (</a:t>
+            </a:r>
+            <a:r>
+              <a:rPr lang="en-US" dirty="0" err="1"/>
+              <a:t>a,b,c,d</a:t>
+            </a:r>
+            <a:r>
+              <a:rPr lang="en-US" dirty="0"/>
+              <a:t>)</a:t>
+            </a:r>
+          </a:p>
+          <a:p>
+            <a:r>
+              <a:rPr lang="en-US" dirty="0"/>
+              <a:t>Quaternions of the form (a,0,0,0) behave exactly like real numbers a and are identified with them</a:t>
+            </a:r>
+          </a:p>
+          <a:p>
+            <a:r>
+              <a:rPr lang="en-US" dirty="0" err="1"/>
+              <a:t>i,j,k</a:t>
+            </a:r>
+            <a:r>
+              <a:rPr lang="en-US" dirty="0"/>
+              <a:t> are special quaternions defined by </a:t>
+            </a:r>
+            <a:r>
+              <a:rPr lang="en-US" dirty="0" err="1"/>
+              <a:t>i</a:t>
+            </a:r>
+            <a:r>
+              <a:rPr lang="en-US" dirty="0"/>
+              <a:t>=(0,1,0,0) j=(0,0,1,0) and k=(0,0,0,1)</a:t>
+            </a:r>
+          </a:p>
+          <a:p>
+            <a:r>
+              <a:rPr lang="en-US" dirty="0"/>
+              <a:t>Addition and subtraction of quaternions is component-wise</a:t>
+            </a:r>
+          </a:p>
+          <a:p>
+            <a:endParaRPr lang="en-IN" dirty="0"/>
+          </a:p>
+        </p:txBody>
+      </p:sp>
+    </p:spTree>
+    <p:extLst>
+      <p:ext uri="{BB962C8B-B14F-4D97-AF65-F5344CB8AC3E}">
+        <p14:creationId xmlns:p14="http://schemas.microsoft.com/office/powerpoint/2010/main" val="4066533624"/>
+      </p:ext>
+    </p:extLst>
+  </p:cSld>
+  <p:clrMapOvr>
+    <a:masterClrMapping/>
+  </p:clrMapOvr>
+</p:sld>
+</file>
+
+<file path=ppt/slides/slide18.xml><?xml version="1.0" encoding="utf-8"?>
+<p:sld xmlns:a="http://schemas.openxmlformats.org/drawingml/2006/main" xmlns:r="http://schemas.openxmlformats.org/officeDocument/2006/relationships" xmlns:p="http://schemas.openxmlformats.org/presentationml/2006/main">
+  <p:cSld>
+    <p:spTree>
+      <p:nvGrpSpPr>
+        <p:cNvPr id="1" name=""/>
+        <p:cNvGrpSpPr/>
+        <p:nvPr/>
+      </p:nvGrpSpPr>
+      <p:grpSpPr>
+        <a:xfrm>
+          <a:off x="0" y="0"/>
+          <a:ext cx="0" cy="0"/>
+          <a:chOff x="0" y="0"/>
+          <a:chExt cx="0" cy="0"/>
+        </a:xfrm>
+      </p:grpSpPr>
+      <p:sp>
+        <p:nvSpPr>
+          <p:cNvPr id="2" name="Title 1">
+            <a:extLst>
+              <a:ext uri="{FF2B5EF4-FFF2-40B4-BE49-F238E27FC236}">
                 <a16:creationId xmlns:a16="http://schemas.microsoft.com/office/drawing/2014/main" id="{F49EE12E-AD26-9075-B1BB-523852C59273}"/>
               </a:ext>
             </a:extLst>
@@ -3922,7 +4825,7 @@
 </p:sld>
 </file>
 
-<file path=ppt/slides/slide14.xml><?xml version="1.0" encoding="utf-8"?>
+<file path=ppt/slides/slide19.xml><?xml version="1.0" encoding="utf-8"?>
 <p:sld xmlns:a="http://schemas.openxmlformats.org/drawingml/2006/main" xmlns:r="http://schemas.openxmlformats.org/officeDocument/2006/relationships" xmlns:p="http://schemas.openxmlformats.org/presentationml/2006/main">
   <p:cSld>
     <p:spTree>
@@ -4048,7 +4951,174 @@
 </p:sld>
 </file>
 
-<file path=ppt/slides/slide15.xml><?xml version="1.0" encoding="utf-8"?>
+<file path=ppt/slides/slide2.xml><?xml version="1.0" encoding="utf-8"?>
+<p:sld xmlns:a="http://schemas.openxmlformats.org/drawingml/2006/main" xmlns:r="http://schemas.openxmlformats.org/officeDocument/2006/relationships" xmlns:p="http://schemas.openxmlformats.org/presentationml/2006/main">
+  <p:cSld>
+    <p:spTree>
+      <p:nvGrpSpPr>
+        <p:cNvPr id="1" name=""/>
+        <p:cNvGrpSpPr/>
+        <p:nvPr/>
+      </p:nvGrpSpPr>
+      <p:grpSpPr>
+        <a:xfrm>
+          <a:off x="0" y="0"/>
+          <a:ext cx="0" cy="0"/>
+          <a:chOff x="0" y="0"/>
+          <a:chExt cx="0" cy="0"/>
+        </a:xfrm>
+      </p:grpSpPr>
+      <p:sp>
+        <p:nvSpPr>
+          <p:cNvPr id="2" name="Title 1">
+            <a:extLst>
+              <a:ext uri="{FF2B5EF4-FFF2-40B4-BE49-F238E27FC236}">
+                <a16:creationId xmlns:a16="http://schemas.microsoft.com/office/drawing/2014/main" id="{076BBFCC-4365-7AEC-5556-38C4518181C8}"/>
+              </a:ext>
+            </a:extLst>
+          </p:cNvPr>
+          <p:cNvSpPr>
+            <a:spLocks noGrp="1"/>
+          </p:cNvSpPr>
+          <p:nvPr>
+            <p:ph type="title"/>
+          </p:nvPr>
+        </p:nvSpPr>
+        <p:spPr>
+          <a:xfrm>
+            <a:off x="838200" y="283335"/>
+            <a:ext cx="10515600" cy="1043189"/>
+          </a:xfrm>
+        </p:spPr>
+        <p:txBody>
+          <a:bodyPr>
+            <a:normAutofit/>
+          </a:bodyPr>
+          <a:lstStyle/>
+          <a:p>
+            <a:pPr algn="ctr"/>
+            <a:r>
+              <a:rPr lang="en-US" b="1" dirty="0"/>
+              <a:t>topics</a:t>
+            </a:r>
+            <a:endParaRPr lang="en-IN" b="1" dirty="0"/>
+          </a:p>
+        </p:txBody>
+      </p:sp>
+      <p:sp>
+        <p:nvSpPr>
+          <p:cNvPr id="3" name="Content Placeholder 2">
+            <a:extLst>
+              <a:ext uri="{FF2B5EF4-FFF2-40B4-BE49-F238E27FC236}">
+                <a16:creationId xmlns:a16="http://schemas.microsoft.com/office/drawing/2014/main" id="{0455F86F-1A95-640D-11B2-CB3F212F5510}"/>
+              </a:ext>
+            </a:extLst>
+          </p:cNvPr>
+          <p:cNvSpPr>
+            <a:spLocks noGrp="1"/>
+          </p:cNvSpPr>
+          <p:nvPr>
+            <p:ph idx="1"/>
+          </p:nvPr>
+        </p:nvSpPr>
+        <p:spPr>
+          <a:xfrm>
+            <a:off x="863958" y="1825625"/>
+            <a:ext cx="10515600" cy="4351338"/>
+          </a:xfrm>
+        </p:spPr>
+        <p:txBody>
+          <a:bodyPr>
+            <a:normAutofit fontScale="85000" lnSpcReduction="20000"/>
+          </a:bodyPr>
+          <a:lstStyle/>
+          <a:p>
+            <a:r>
+              <a:rPr lang="en-IN" dirty="0"/>
+              <a:t>1. cv2 (image plotting, image cropping, resizing, kernels, </a:t>
+            </a:r>
+            <a:r>
+              <a:rPr lang="en-IN" dirty="0" err="1"/>
+              <a:t>rgb</a:t>
+            </a:r>
+            <a:r>
+              <a:rPr lang="en-IN" dirty="0"/>
+              <a:t>, grayscale, matplotlib)</a:t>
+            </a:r>
+          </a:p>
+          <a:p>
+            <a:r>
+              <a:rPr lang="en-IN" dirty="0"/>
+              <a:t>2. Image processing</a:t>
+            </a:r>
+          </a:p>
+          <a:p>
+            <a:r>
+              <a:rPr lang="en-IN" dirty="0"/>
+              <a:t>3. Machine vision system coordinate system</a:t>
+            </a:r>
+          </a:p>
+          <a:p>
+            <a:r>
+              <a:rPr lang="en-IN" dirty="0"/>
+              <a:t>4. Intrinsic parameters and extrinsic parameters</a:t>
+            </a:r>
+          </a:p>
+          <a:p>
+            <a:r>
+              <a:rPr lang="en-IN" dirty="0"/>
+              <a:t>5. Euler angles </a:t>
+            </a:r>
+          </a:p>
+          <a:p>
+            <a:r>
+              <a:rPr lang="en-IN" dirty="0"/>
+              <a:t>6.Quaternions</a:t>
+            </a:r>
+          </a:p>
+          <a:p>
+            <a:r>
+              <a:rPr lang="en-IN" dirty="0"/>
+              <a:t>7. Gimble lock</a:t>
+            </a:r>
+          </a:p>
+          <a:p>
+            <a:r>
+              <a:rPr lang="en-IN" dirty="0"/>
+              <a:t>8. Rotation vector</a:t>
+            </a:r>
+          </a:p>
+          <a:p>
+            <a:r>
+              <a:rPr lang="en-IN" dirty="0"/>
+              <a:t>9. Key-point detection</a:t>
+            </a:r>
+          </a:p>
+          <a:p>
+            <a:r>
+              <a:rPr lang="en-IN" dirty="0"/>
+              <a:t>10. 6 degree-of-freedom</a:t>
+            </a:r>
+          </a:p>
+          <a:p>
+            <a:endParaRPr lang="en-IN" dirty="0"/>
+          </a:p>
+        </p:txBody>
+      </p:sp>
+    </p:spTree>
+    <p:extLst>
+      <p:ext uri="{BB962C8B-B14F-4D97-AF65-F5344CB8AC3E}">
+        <p14:creationId xmlns:p14="http://schemas.microsoft.com/office/powerpoint/2010/main" val="213716067"/>
+      </p:ext>
+    </p:extLst>
+  </p:cSld>
+  <p:clrMapOvr>
+    <a:masterClrMapping/>
+  </p:clrMapOvr>
+</p:sld>
+</file>
+
+<file path=ppt/slides/slide20.xml><?xml version="1.0" encoding="utf-8"?>
 <p:sld xmlns:a="http://schemas.openxmlformats.org/drawingml/2006/main" xmlns:r="http://schemas.openxmlformats.org/officeDocument/2006/relationships" xmlns:p="http://schemas.openxmlformats.org/presentationml/2006/main">
   <p:cSld>
     <p:spTree>
@@ -4253,7 +5323,7 @@
 </p:sld>
 </file>
 
-<file path=ppt/slides/slide16.xml><?xml version="1.0" encoding="utf-8"?>
+<file path=ppt/slides/slide21.xml><?xml version="1.0" encoding="utf-8"?>
 <p:sld xmlns:a="http://schemas.openxmlformats.org/drawingml/2006/main" xmlns:r="http://schemas.openxmlformats.org/officeDocument/2006/relationships" xmlns:p="http://schemas.openxmlformats.org/presentationml/2006/main">
   <p:cSld>
     <p:spTree>
@@ -4383,173 +5453,6 @@
     <p:extLst>
       <p:ext uri="{BB962C8B-B14F-4D97-AF65-F5344CB8AC3E}">
         <p14:creationId xmlns:p14="http://schemas.microsoft.com/office/powerpoint/2010/main" val="1889727714"/>
-      </p:ext>
-    </p:extLst>
-  </p:cSld>
-  <p:clrMapOvr>
-    <a:masterClrMapping/>
-  </p:clrMapOvr>
-</p:sld>
-</file>
-
-<file path=ppt/slides/slide2.xml><?xml version="1.0" encoding="utf-8"?>
-<p:sld xmlns:a="http://schemas.openxmlformats.org/drawingml/2006/main" xmlns:r="http://schemas.openxmlformats.org/officeDocument/2006/relationships" xmlns:p="http://schemas.openxmlformats.org/presentationml/2006/main">
-  <p:cSld>
-    <p:spTree>
-      <p:nvGrpSpPr>
-        <p:cNvPr id="1" name=""/>
-        <p:cNvGrpSpPr/>
-        <p:nvPr/>
-      </p:nvGrpSpPr>
-      <p:grpSpPr>
-        <a:xfrm>
-          <a:off x="0" y="0"/>
-          <a:ext cx="0" cy="0"/>
-          <a:chOff x="0" y="0"/>
-          <a:chExt cx="0" cy="0"/>
-        </a:xfrm>
-      </p:grpSpPr>
-      <p:sp>
-        <p:nvSpPr>
-          <p:cNvPr id="2" name="Title 1">
-            <a:extLst>
-              <a:ext uri="{FF2B5EF4-FFF2-40B4-BE49-F238E27FC236}">
-                <a16:creationId xmlns:a16="http://schemas.microsoft.com/office/drawing/2014/main" id="{076BBFCC-4365-7AEC-5556-38C4518181C8}"/>
-              </a:ext>
-            </a:extLst>
-          </p:cNvPr>
-          <p:cNvSpPr>
-            <a:spLocks noGrp="1"/>
-          </p:cNvSpPr>
-          <p:nvPr>
-            <p:ph type="title"/>
-          </p:nvPr>
-        </p:nvSpPr>
-        <p:spPr>
-          <a:xfrm>
-            <a:off x="838200" y="283335"/>
-            <a:ext cx="10515600" cy="1043189"/>
-          </a:xfrm>
-        </p:spPr>
-        <p:txBody>
-          <a:bodyPr>
-            <a:normAutofit/>
-          </a:bodyPr>
-          <a:lstStyle/>
-          <a:p>
-            <a:pPr algn="ctr"/>
-            <a:r>
-              <a:rPr lang="en-US" b="1" dirty="0"/>
-              <a:t>topics</a:t>
-            </a:r>
-            <a:endParaRPr lang="en-IN" b="1" dirty="0"/>
-          </a:p>
-        </p:txBody>
-      </p:sp>
-      <p:sp>
-        <p:nvSpPr>
-          <p:cNvPr id="3" name="Content Placeholder 2">
-            <a:extLst>
-              <a:ext uri="{FF2B5EF4-FFF2-40B4-BE49-F238E27FC236}">
-                <a16:creationId xmlns:a16="http://schemas.microsoft.com/office/drawing/2014/main" id="{0455F86F-1A95-640D-11B2-CB3F212F5510}"/>
-              </a:ext>
-            </a:extLst>
-          </p:cNvPr>
-          <p:cNvSpPr>
-            <a:spLocks noGrp="1"/>
-          </p:cNvSpPr>
-          <p:nvPr>
-            <p:ph idx="1"/>
-          </p:nvPr>
-        </p:nvSpPr>
-        <p:spPr>
-          <a:xfrm>
-            <a:off x="863958" y="1825625"/>
-            <a:ext cx="10515600" cy="4351338"/>
-          </a:xfrm>
-        </p:spPr>
-        <p:txBody>
-          <a:bodyPr>
-            <a:normAutofit fontScale="85000" lnSpcReduction="20000"/>
-          </a:bodyPr>
-          <a:lstStyle/>
-          <a:p>
-            <a:r>
-              <a:rPr lang="en-IN" dirty="0"/>
-              <a:t>1. cv2 (image plotting, image cropping, resizing, kernels, </a:t>
-            </a:r>
-            <a:r>
-              <a:rPr lang="en-IN" dirty="0" err="1"/>
-              <a:t>rgb</a:t>
-            </a:r>
-            <a:r>
-              <a:rPr lang="en-IN" dirty="0"/>
-              <a:t>, grayscale, matplotlib)</a:t>
-            </a:r>
-          </a:p>
-          <a:p>
-            <a:r>
-              <a:rPr lang="en-IN" dirty="0"/>
-              <a:t>2. Image processing</a:t>
-            </a:r>
-          </a:p>
-          <a:p>
-            <a:r>
-              <a:rPr lang="en-IN" dirty="0"/>
-              <a:t>3. Machine vision system coordinate system</a:t>
-            </a:r>
-          </a:p>
-          <a:p>
-            <a:r>
-              <a:rPr lang="en-IN" dirty="0"/>
-              <a:t>4. Intrinsic parameters and extrinsic parameters</a:t>
-            </a:r>
-          </a:p>
-          <a:p>
-            <a:r>
-              <a:rPr lang="en-IN" dirty="0"/>
-              <a:t>5. Euler angles </a:t>
-            </a:r>
-          </a:p>
-          <a:p>
-            <a:r>
-              <a:rPr lang="en-IN" dirty="0"/>
-              <a:t>6.Quaternions</a:t>
-            </a:r>
-          </a:p>
-          <a:p>
-            <a:r>
-              <a:rPr lang="en-IN" dirty="0"/>
-              <a:t>7. Gimble lock</a:t>
-            </a:r>
-          </a:p>
-          <a:p>
-            <a:r>
-              <a:rPr lang="en-IN" dirty="0"/>
-              <a:t>8. Rotation vector</a:t>
-            </a:r>
-          </a:p>
-          <a:p>
-            <a:r>
-              <a:rPr lang="en-IN" dirty="0"/>
-              <a:t>9. Key-point detection</a:t>
-            </a:r>
-          </a:p>
-          <a:p>
-            <a:r>
-              <a:rPr lang="en-IN" dirty="0"/>
-              <a:t>10. 6 degree-of-freedom</a:t>
-            </a:r>
-          </a:p>
-          <a:p>
-            <a:endParaRPr lang="en-IN" dirty="0"/>
-          </a:p>
-        </p:txBody>
-      </p:sp>
-    </p:spTree>
-    <p:extLst>
-      <p:ext uri="{BB962C8B-B14F-4D97-AF65-F5344CB8AC3E}">
-        <p14:creationId xmlns:p14="http://schemas.microsoft.com/office/powerpoint/2010/main" val="213716067"/>
       </p:ext>
     </p:extLst>
   </p:cSld>
@@ -5464,39 +6367,10 @@
             <p:ph type="title"/>
           </p:nvPr>
         </p:nvSpPr>
-        <p:spPr/>
-        <p:txBody>
-          <a:bodyPr/>
-          <a:lstStyle/>
-          <a:p>
-            <a:r>
-              <a:rPr lang="en-US" dirty="0"/>
-              <a:t>Machine Vision system coordinate system</a:t>
-            </a:r>
-            <a:endParaRPr lang="en-IN" dirty="0"/>
-          </a:p>
-        </p:txBody>
-      </p:sp>
-      <p:sp>
-        <p:nvSpPr>
-          <p:cNvPr id="3" name="Content Placeholder 2">
-            <a:extLst>
-              <a:ext uri="{FF2B5EF4-FFF2-40B4-BE49-F238E27FC236}">
-                <a16:creationId xmlns:a16="http://schemas.microsoft.com/office/drawing/2014/main" id="{AB3044BF-E89E-9114-DE8F-9CF60108BA76}"/>
-              </a:ext>
-            </a:extLst>
-          </p:cNvPr>
-          <p:cNvSpPr>
-            <a:spLocks noGrp="1"/>
-          </p:cNvSpPr>
-          <p:nvPr>
-            <p:ph idx="1"/>
-          </p:nvPr>
-        </p:nvSpPr>
         <p:spPr>
           <a:xfrm>
-            <a:off x="847725" y="1825625"/>
-            <a:ext cx="10515600" cy="4351338"/>
+            <a:off x="838200" y="-203199"/>
+            <a:ext cx="10515600" cy="1104900"/>
           </a:xfrm>
         </p:spPr>
         <p:txBody>
@@ -5507,31 +6381,196 @@
           <a:p>
             <a:r>
               <a:rPr lang="en-US" dirty="0"/>
+              <a:t>Machine Vision system coordinate system</a:t>
+            </a:r>
+            <a:endParaRPr lang="en-IN" dirty="0"/>
+          </a:p>
+        </p:txBody>
+      </p:sp>
+      <p:sp>
+        <p:nvSpPr>
+          <p:cNvPr id="3" name="Content Placeholder 2">
+            <a:extLst>
+              <a:ext uri="{FF2B5EF4-FFF2-40B4-BE49-F238E27FC236}">
+                <a16:creationId xmlns:a16="http://schemas.microsoft.com/office/drawing/2014/main" id="{AB3044BF-E89E-9114-DE8F-9CF60108BA76}"/>
+              </a:ext>
+            </a:extLst>
+          </p:cNvPr>
+          <p:cNvSpPr>
+            <a:spLocks noGrp="1"/>
+          </p:cNvSpPr>
+          <p:nvPr>
+            <p:ph idx="1"/>
+          </p:nvPr>
+        </p:nvSpPr>
+        <p:spPr>
+          <a:xfrm>
+            <a:off x="292100" y="571500"/>
+            <a:ext cx="11071225" cy="6286500"/>
+          </a:xfrm>
+        </p:spPr>
+        <p:txBody>
+          <a:bodyPr>
+            <a:normAutofit fontScale="55000" lnSpcReduction="20000"/>
+          </a:bodyPr>
+          <a:lstStyle/>
+          <a:p>
+            <a:r>
+              <a:rPr lang="en-US" b="1" dirty="0"/>
               <a:t>World coordinate system</a:t>
             </a:r>
-          </a:p>
-          <a:p>
-            <a:r>
-              <a:rPr lang="en-US" dirty="0"/>
+            <a:r>
+              <a:rPr lang="en-US" dirty="0"/>
+              <a:t>:</a:t>
+            </a:r>
+          </a:p>
+          <a:p>
+            <a:pPr marL="0" indent="0">
+              <a:buNone/>
+            </a:pPr>
+            <a:r>
+              <a:rPr lang="en-US" b="1" dirty="0"/>
+              <a:t> </a:t>
+            </a:r>
+            <a:r>
+              <a:rPr lang="en-US" dirty="0"/>
+              <a:t>reference system for the position of the target object and it can be freely set.</a:t>
+            </a:r>
+          </a:p>
+          <a:p>
+            <a:pPr marL="0" indent="0">
+              <a:buNone/>
+            </a:pPr>
+            <a:r>
+              <a:rPr lang="en-US" b="1" dirty="0"/>
+              <a:t>Major functions:</a:t>
+            </a:r>
+          </a:p>
+          <a:p>
+            <a:r>
+              <a:rPr lang="en-US" dirty="0"/>
+              <a:t>Defining 3d coordinate of the object</a:t>
+            </a:r>
+          </a:p>
+          <a:p>
+            <a:r>
+              <a:rPr lang="en-US" dirty="0"/>
+              <a:t>Determining position of calibration object.</a:t>
+            </a:r>
+          </a:p>
+          <a:p>
+            <a:r>
+              <a:rPr lang="en-US" dirty="0"/>
+              <a:t>Provide position of camera-coordinate</a:t>
+            </a:r>
+          </a:p>
+          <a:p>
+            <a:r>
+              <a:rPr lang="en-US" dirty="0"/>
+              <a:t>Determine position relationship between &gt;2 camera</a:t>
+            </a:r>
+          </a:p>
+          <a:p>
+            <a:endParaRPr lang="en-US" b="1" dirty="0"/>
+          </a:p>
+          <a:p>
+            <a:r>
+              <a:rPr lang="en-US" b="1" dirty="0"/>
               <a:t>Image coordinate system</a:t>
             </a:r>
-          </a:p>
-          <a:p>
-            <a:r>
-              <a:rPr lang="en-US" dirty="0"/>
+            <a:r>
+              <a:rPr lang="en-US" b="1" dirty="0">
+                <a:sym typeface="Wingdings" panose="05000000000000000000" pitchFamily="2" charset="2"/>
+              </a:rPr>
+              <a:t>: (</a:t>
+            </a:r>
+            <a:r>
+              <a:rPr lang="en-US" b="1" dirty="0" err="1">
+                <a:sym typeface="Wingdings" panose="05000000000000000000" pitchFamily="2" charset="2"/>
+              </a:rPr>
+              <a:t>x,y</a:t>
+            </a:r>
+            <a:r>
+              <a:rPr lang="en-US" b="1" dirty="0">
+                <a:sym typeface="Wingdings" panose="05000000000000000000" pitchFamily="2" charset="2"/>
+              </a:rPr>
+              <a:t>)</a:t>
+            </a:r>
+            <a:endParaRPr lang="en-US" b="1" dirty="0"/>
+          </a:p>
+          <a:p>
+            <a:r>
+              <a:rPr lang="en-US" dirty="0"/>
+              <a:t>On the imaging plane, but where is imaging plane?</a:t>
+            </a:r>
+          </a:p>
+          <a:p>
+            <a:r>
+              <a:rPr lang="en-US" dirty="0"/>
+              <a:t>Origin is mid-point of imaging plane</a:t>
+            </a:r>
+          </a:p>
+          <a:p>
+            <a:endParaRPr lang="en-US" dirty="0"/>
+          </a:p>
+          <a:p>
+            <a:r>
+              <a:rPr lang="en-US" b="1" dirty="0"/>
               <a:t>Camera coordinate system</a:t>
             </a:r>
           </a:p>
           <a:p>
             <a:r>
               <a:rPr lang="en-US" dirty="0"/>
-              <a:t>Pixel coordinate system</a:t>
+              <a:t>Camera own perspective</a:t>
+            </a:r>
+          </a:p>
+          <a:p>
+            <a:r>
+              <a:rPr lang="en-US" dirty="0"/>
+              <a:t>Origin at optical center of camera</a:t>
+            </a:r>
+          </a:p>
+          <a:p>
+            <a:r>
+              <a:rPr lang="en-US" dirty="0"/>
+              <a:t>What is optical center of camera?</a:t>
+            </a:r>
+          </a:p>
+          <a:p>
+            <a:r>
+              <a:rPr lang="en-US" dirty="0"/>
+              <a:t>Z-axis is direction in which camera lens projects.</a:t>
             </a:r>
           </a:p>
           <a:p>
             <a:pPr marL="0" indent="0">
               <a:buNone/>
             </a:pPr>
+            <a:endParaRPr lang="en-US" b="1" dirty="0"/>
+          </a:p>
+          <a:p>
+            <a:r>
+              <a:rPr lang="en-US" b="1" dirty="0"/>
+              <a:t>Pixel coordinate system(</a:t>
+            </a:r>
+            <a:r>
+              <a:rPr lang="en-US" b="1" dirty="0" err="1"/>
+              <a:t>u,v</a:t>
+            </a:r>
+            <a:r>
+              <a:rPr lang="en-US" b="1" dirty="0"/>
+              <a:t>)</a:t>
+            </a:r>
+          </a:p>
+          <a:p>
+            <a:pPr marL="0" indent="0">
+              <a:buNone/>
+            </a:pPr>
+            <a:r>
+              <a:rPr lang="en-US" dirty="0"/>
+              <a:t>* In the imaging plane, uses pixels as units.</a:t>
+            </a:r>
             <a:br>
               <a:rPr lang="en-US" dirty="0"/>
             </a:br>
@@ -5574,7 +6613,7 @@
           <p:cNvPr id="2" name="Title 1">
             <a:extLst>
               <a:ext uri="{FF2B5EF4-FFF2-40B4-BE49-F238E27FC236}">
-                <a16:creationId xmlns:a16="http://schemas.microsoft.com/office/drawing/2014/main" id="{65F51323-115A-09F4-C9EA-F64EAB0A4B76}"/>
+                <a16:creationId xmlns:a16="http://schemas.microsoft.com/office/drawing/2014/main" id="{107CE1B5-B98B-BDA9-3EF7-DB45A5667B35}"/>
               </a:ext>
             </a:extLst>
           </p:cNvPr>
@@ -5585,180 +6624,227 @@
             <p:ph type="title"/>
           </p:nvPr>
         </p:nvSpPr>
-        <p:spPr/>
-        <p:txBody>
-          <a:bodyPr/>
-          <a:lstStyle/>
-          <a:p>
-            <a:r>
-              <a:rPr lang="en-US" dirty="0"/>
-              <a:t>Conversions:</a:t>
+        <p:spPr>
+          <a:xfrm>
+            <a:off x="838200" y="88901"/>
+            <a:ext cx="10515600" cy="592136"/>
+          </a:xfrm>
+        </p:spPr>
+        <p:txBody>
+          <a:bodyPr>
+            <a:normAutofit fontScale="90000"/>
+          </a:bodyPr>
+          <a:lstStyle/>
+          <a:p>
+            <a:r>
+              <a:rPr lang="en-US" dirty="0"/>
+              <a:t>Relationship b/w different coordinate system	</a:t>
             </a:r>
             <a:endParaRPr lang="en-IN" dirty="0"/>
           </a:p>
         </p:txBody>
       </p:sp>
-      <p:sp>
-        <p:nvSpPr>
-          <p:cNvPr id="3" name="Content Placeholder 2">
-            <a:extLst>
-              <a:ext uri="{FF2B5EF4-FFF2-40B4-BE49-F238E27FC236}">
-                <a16:creationId xmlns:a16="http://schemas.microsoft.com/office/drawing/2014/main" id="{073A089F-E3E3-7992-FBE6-698502CA66C0}"/>
-              </a:ext>
-            </a:extLst>
-          </p:cNvPr>
-          <p:cNvSpPr>
-            <a:spLocks noGrp="1"/>
-          </p:cNvSpPr>
+      <p:pic>
+        <p:nvPicPr>
+          <p:cNvPr id="5" name="Content Placeholder 4">
+            <a:extLst>
+              <a:ext uri="{FF2B5EF4-FFF2-40B4-BE49-F238E27FC236}">
+                <a16:creationId xmlns:a16="http://schemas.microsoft.com/office/drawing/2014/main" id="{BD30A1D7-997A-A55E-0B01-3F31669647B5}"/>
+              </a:ext>
+            </a:extLst>
+          </p:cNvPr>
+          <p:cNvPicPr>
+            <a:picLocks noGrp="1" noChangeAspect="1"/>
+          </p:cNvPicPr>
           <p:nvPr>
             <p:ph idx="1"/>
           </p:nvPr>
-        </p:nvSpPr>
-        <p:spPr/>
-        <p:txBody>
-          <a:bodyPr>
-            <a:normAutofit fontScale="92500" lnSpcReduction="10000"/>
+        </p:nvPicPr>
+        <p:blipFill>
+          <a:blip r:embed="rId2"/>
+          <a:stretch>
+            <a:fillRect/>
+          </a:stretch>
+        </p:blipFill>
+        <p:spPr>
+          <a:xfrm>
+            <a:off x="4762314" y="1067499"/>
+            <a:ext cx="2667372" cy="1352739"/>
+          </a:xfrm>
+          <a:prstGeom prst="rect">
+            <a:avLst/>
+          </a:prstGeom>
+        </p:spPr>
+      </p:pic>
+      <p:sp>
+        <p:nvSpPr>
+          <p:cNvPr id="6" name="TextBox 5">
+            <a:extLst>
+              <a:ext uri="{FF2B5EF4-FFF2-40B4-BE49-F238E27FC236}">
+                <a16:creationId xmlns:a16="http://schemas.microsoft.com/office/drawing/2014/main" id="{004F289B-E65B-B847-536A-78AABD76A40F}"/>
+              </a:ext>
+            </a:extLst>
+          </p:cNvPr>
+          <p:cNvSpPr txBox="1"/>
+          <p:nvPr/>
+        </p:nvSpPr>
+        <p:spPr>
+          <a:xfrm>
+            <a:off x="838200" y="1067499"/>
+            <a:ext cx="3441700" cy="2862322"/>
+          </a:xfrm>
+          <a:prstGeom prst="rect">
+            <a:avLst/>
+          </a:prstGeom>
+          <a:noFill/>
+        </p:spPr>
+        <p:txBody>
+          <a:bodyPr wrap="square" rtlCol="0">
+            <a:spAutoFit/>
           </a:bodyPr>
           <a:lstStyle/>
           <a:p>
-            <a:pPr fontAlgn="base"/>
-            <a:r>
-              <a:rPr lang="en-US" b="1" dirty="0"/>
-              <a:t>Camera coordinate system and pixel coordinate system</a:t>
-            </a:r>
-          </a:p>
-          <a:p>
-            <a:r>
-              <a:rPr lang="en-US" dirty="0"/>
-              <a:t>To determine their relationship, we extend the normal image coordinates (x, y) </a:t>
-            </a:r>
-            <a:r>
-              <a:rPr lang="en-US" b="1" dirty="0"/>
-              <a:t>to homogeneous coordinates </a:t>
-            </a:r>
-            <a:r>
-              <a:rPr lang="en-US" dirty="0"/>
-              <a:t>(x, y, 1)</a:t>
-            </a:r>
-          </a:p>
-          <a:p>
-            <a:pPr fontAlgn="base"/>
-            <a:r>
-              <a:rPr lang="en-US" b="1" dirty="0"/>
-              <a:t>World coordinate system and camera coordinate system</a:t>
-            </a:r>
-          </a:p>
-          <a:p>
-            <a:r>
-              <a:rPr lang="en-US" dirty="0"/>
-              <a:t>The relationship between the two coordinate systems is a </a:t>
-            </a:r>
-            <a:r>
-              <a:rPr lang="en-US" b="1" dirty="0"/>
-              <a:t>rigid body transformation </a:t>
-            </a:r>
-            <a:r>
-              <a:rPr lang="en-US" dirty="0"/>
-              <a:t>(rigid body transformation: the rotation and translation of a geometric object when the object does not deform</a:t>
-            </a:r>
-          </a:p>
-          <a:p>
-            <a:pPr fontAlgn="base"/>
-            <a:r>
-              <a:rPr lang="en-US" b="1" dirty="0"/>
-              <a:t>From world coordinates to pixel coordinates</a:t>
-            </a:r>
-          </a:p>
-          <a:p>
-            <a:r>
-              <a:rPr lang="en-US" dirty="0"/>
-              <a:t>Combining the above derivation processes, the world coordinates (</a:t>
-            </a:r>
-            <a:r>
-              <a:rPr lang="en-US" dirty="0" err="1"/>
-              <a:t>X</a:t>
-            </a:r>
-            <a:r>
-              <a:rPr lang="en-US" baseline="-25000" dirty="0" err="1"/>
-              <a:t>w</a:t>
-            </a:r>
-            <a:r>
-              <a:rPr lang="en-US" dirty="0"/>
-              <a:t>, </a:t>
-            </a:r>
-            <a:r>
-              <a:rPr lang="en-US" dirty="0" err="1"/>
-              <a:t>Y</a:t>
-            </a:r>
-            <a:r>
-              <a:rPr lang="en-US" baseline="-25000" dirty="0" err="1"/>
-              <a:t>w</a:t>
-            </a:r>
-            <a:r>
-              <a:rPr lang="en-US" dirty="0"/>
-              <a:t>, </a:t>
-            </a:r>
-            <a:r>
-              <a:rPr lang="en-US" dirty="0" err="1"/>
-              <a:t>Z</a:t>
-            </a:r>
-            <a:r>
-              <a:rPr lang="en-US" baseline="-25000" dirty="0" err="1"/>
-              <a:t>w</a:t>
-            </a:r>
-            <a:r>
-              <a:rPr lang="en-US" dirty="0"/>
-              <a:t>) -&gt; camera coordinates (</a:t>
-            </a:r>
-            <a:r>
-              <a:rPr lang="en-US" dirty="0" err="1"/>
-              <a:t>X</a:t>
-            </a:r>
-            <a:r>
-              <a:rPr lang="en-US" baseline="-25000" dirty="0" err="1"/>
-              <a:t>c</a:t>
-            </a:r>
-            <a:r>
-              <a:rPr lang="en-US" dirty="0"/>
-              <a:t>, </a:t>
-            </a:r>
-            <a:r>
-              <a:rPr lang="en-US" dirty="0" err="1"/>
-              <a:t>Y</a:t>
-            </a:r>
-            <a:r>
-              <a:rPr lang="en-US" baseline="-25000" dirty="0" err="1"/>
-              <a:t>c</a:t>
-            </a:r>
-            <a:r>
-              <a:rPr lang="en-US" dirty="0"/>
-              <a:t>, </a:t>
-            </a:r>
-            <a:r>
-              <a:rPr lang="en-US" dirty="0" err="1"/>
-              <a:t>Z</a:t>
-            </a:r>
-            <a:r>
-              <a:rPr lang="en-US" baseline="-25000" dirty="0" err="1"/>
-              <a:t>c</a:t>
-            </a:r>
-            <a:r>
-              <a:rPr lang="en-US" dirty="0"/>
-              <a:t>) -&gt; image coordinates (x, y) -&gt; pixel coordinates (u, v). </a:t>
-            </a:r>
-          </a:p>
-          <a:p>
+            <a:pPr marL="285750" indent="-285750">
+              <a:buFont typeface="Arial" panose="020B0604020202020204" pitchFamily="34" charset="0"/>
+              <a:buChar char="•"/>
+            </a:pPr>
+            <a:r>
+              <a:rPr lang="en-US" dirty="0"/>
+              <a:t>dx  represents width of one pixel </a:t>
+            </a:r>
+          </a:p>
+          <a:p>
+            <a:pPr marL="285750" indent="-285750">
+              <a:buFont typeface="Arial" panose="020B0604020202020204" pitchFamily="34" charset="0"/>
+              <a:buChar char="•"/>
+            </a:pPr>
+            <a:r>
+              <a:rPr lang="en-US" dirty="0"/>
+              <a:t>x/dx : no of pixels in x direction</a:t>
+            </a:r>
+          </a:p>
+          <a:p>
+            <a:pPr marL="285750" indent="-285750">
+              <a:buFont typeface="Arial" panose="020B0604020202020204" pitchFamily="34" charset="0"/>
+              <a:buChar char="•"/>
+            </a:pPr>
+            <a:r>
+              <a:rPr lang="en-US" dirty="0"/>
+              <a:t>U</a:t>
+            </a:r>
+          </a:p>
+          <a:p>
+            <a:pPr marL="285750" indent="-285750">
+              <a:buFont typeface="Arial" panose="020B0604020202020204" pitchFamily="34" charset="0"/>
+              <a:buChar char="•"/>
+            </a:pPr>
             <a:endParaRPr lang="en-US" dirty="0"/>
           </a:p>
           <a:p>
+            <a:pPr marL="285750" indent="-285750">
+              <a:buFont typeface="Arial" panose="020B0604020202020204" pitchFamily="34" charset="0"/>
+              <a:buChar char="•"/>
+            </a:pPr>
+            <a:endParaRPr lang="en-US" dirty="0"/>
+          </a:p>
+          <a:p>
+            <a:pPr marL="285750" indent="-285750">
+              <a:buFont typeface="Arial" panose="020B0604020202020204" pitchFamily="34" charset="0"/>
+              <a:buChar char="•"/>
+            </a:pPr>
+            <a:endParaRPr lang="en-US" dirty="0"/>
+          </a:p>
+          <a:p>
+            <a:pPr marL="285750" indent="-285750">
+              <a:buFont typeface="Arial" panose="020B0604020202020204" pitchFamily="34" charset="0"/>
+              <a:buChar char="•"/>
+            </a:pPr>
+            <a:endParaRPr lang="en-US" dirty="0"/>
+          </a:p>
+          <a:p>
+            <a:pPr marL="285750" indent="-285750">
+              <a:buFont typeface="Arial" panose="020B0604020202020204" pitchFamily="34" charset="0"/>
+              <a:buChar char="•"/>
+            </a:pPr>
+            <a:endParaRPr lang="en-US" dirty="0"/>
+          </a:p>
+          <a:p>
+            <a:pPr marL="285750" indent="-285750">
+              <a:buFont typeface="Arial" panose="020B0604020202020204" pitchFamily="34" charset="0"/>
+              <a:buChar char="•"/>
+            </a:pPr>
+            <a:r>
+              <a:rPr lang="en-US" dirty="0"/>
+              <a:t>Matrix equation-&gt;&gt;&gt;</a:t>
+            </a:r>
             <a:endParaRPr lang="en-IN" dirty="0"/>
           </a:p>
         </p:txBody>
       </p:sp>
+      <p:pic>
+        <p:nvPicPr>
+          <p:cNvPr id="8" name="Picture 7">
+            <a:extLst>
+              <a:ext uri="{FF2B5EF4-FFF2-40B4-BE49-F238E27FC236}">
+                <a16:creationId xmlns:a16="http://schemas.microsoft.com/office/drawing/2014/main" id="{813FB927-CD25-AF5C-2B21-183C5D0F25F6}"/>
+              </a:ext>
+            </a:extLst>
+          </p:cNvPr>
+          <p:cNvPicPr>
+            <a:picLocks noChangeAspect="1"/>
+          </p:cNvPicPr>
+          <p:nvPr/>
+        </p:nvPicPr>
+        <p:blipFill>
+          <a:blip r:embed="rId3"/>
+          <a:stretch>
+            <a:fillRect/>
+          </a:stretch>
+        </p:blipFill>
+        <p:spPr>
+          <a:xfrm>
+            <a:off x="7708900" y="1067499"/>
+            <a:ext cx="4394200" cy="3898558"/>
+          </a:xfrm>
+          <a:prstGeom prst="rect">
+            <a:avLst/>
+          </a:prstGeom>
+        </p:spPr>
+      </p:pic>
+      <p:pic>
+        <p:nvPicPr>
+          <p:cNvPr id="10" name="Picture 9">
+            <a:extLst>
+              <a:ext uri="{FF2B5EF4-FFF2-40B4-BE49-F238E27FC236}">
+                <a16:creationId xmlns:a16="http://schemas.microsoft.com/office/drawing/2014/main" id="{E3E3F8BC-A7D1-82FB-3F01-BC04AE74DB81}"/>
+              </a:ext>
+            </a:extLst>
+          </p:cNvPr>
+          <p:cNvPicPr>
+            <a:picLocks noChangeAspect="1"/>
+          </p:cNvPicPr>
+          <p:nvPr/>
+        </p:nvPicPr>
+        <p:blipFill>
+          <a:blip r:embed="rId4"/>
+          <a:stretch>
+            <a:fillRect/>
+          </a:stretch>
+        </p:blipFill>
+        <p:spPr>
+          <a:xfrm>
+            <a:off x="4757550" y="2700236"/>
+            <a:ext cx="2676899" cy="1457528"/>
+          </a:xfrm>
+          <a:prstGeom prst="rect">
+            <a:avLst/>
+          </a:prstGeom>
+        </p:spPr>
+      </p:pic>
     </p:spTree>
     <p:extLst>
       <p:ext uri="{BB962C8B-B14F-4D97-AF65-F5344CB8AC3E}">
-        <p14:creationId xmlns:p14="http://schemas.microsoft.com/office/powerpoint/2010/main" val="269156303"/>
+        <p14:creationId xmlns:p14="http://schemas.microsoft.com/office/powerpoint/2010/main" val="1672116142"/>
       </p:ext>
     </p:extLst>
   </p:cSld>
@@ -5790,7 +6876,7 @@
           <p:cNvPr id="2" name="Title 1">
             <a:extLst>
               <a:ext uri="{FF2B5EF4-FFF2-40B4-BE49-F238E27FC236}">
-                <a16:creationId xmlns:a16="http://schemas.microsoft.com/office/drawing/2014/main" id="{90AF1611-354C-D8A0-23F9-7B75C548CFAF}"/>
+                <a16:creationId xmlns:a16="http://schemas.microsoft.com/office/drawing/2014/main" id="{1689FDC2-67B4-5293-D086-2D6A269C80BA}"/>
               </a:ext>
             </a:extLst>
           </p:cNvPr>
@@ -5801,112 +6887,220 @@
             <p:ph type="title"/>
           </p:nvPr>
         </p:nvSpPr>
-        <p:spPr/>
+        <p:spPr>
+          <a:xfrm>
+            <a:off x="838200" y="-304800"/>
+            <a:ext cx="10515600" cy="1295400"/>
+          </a:xfrm>
+        </p:spPr>
         <p:txBody>
           <a:bodyPr/>
           <a:lstStyle/>
           <a:p>
             <a:r>
-              <a:rPr lang="en-US" dirty="0"/>
-              <a:t>Intrinsic and extrinsic parameters:</a:t>
-            </a:r>
-            <a:br>
-              <a:rPr lang="en-US" dirty="0"/>
-            </a:br>
+              <a:rPr lang="en-US" b="1" dirty="0"/>
+              <a:t>Camera CS, and Pixel CS:</a:t>
+            </a:r>
+            <a:endParaRPr lang="en-IN" b="1" dirty="0"/>
+          </a:p>
+        </p:txBody>
+      </p:sp>
+      <p:sp>
+        <p:nvSpPr>
+          <p:cNvPr id="3" name="Content Placeholder 2">
+            <a:extLst>
+              <a:ext uri="{FF2B5EF4-FFF2-40B4-BE49-F238E27FC236}">
+                <a16:creationId xmlns:a16="http://schemas.microsoft.com/office/drawing/2014/main" id="{778AAA33-B57A-6EC9-1AA1-D4DC1D12B592}"/>
+              </a:ext>
+            </a:extLst>
+          </p:cNvPr>
+          <p:cNvSpPr>
+            <a:spLocks noGrp="1"/>
+          </p:cNvSpPr>
+          <p:nvPr>
+            <p:ph idx="1"/>
+          </p:nvPr>
+        </p:nvSpPr>
+        <p:spPr>
+          <a:xfrm>
+            <a:off x="838200" y="711200"/>
+            <a:ext cx="10515600" cy="5465763"/>
+          </a:xfrm>
+        </p:spPr>
+        <p:txBody>
+          <a:bodyPr/>
+          <a:lstStyle/>
+          <a:p>
+            <a:r>
+              <a:rPr lang="en-US" dirty="0"/>
+              <a:t>Camera to pixel is a 3d-&gt;2d transformation( projection transformation)</a:t>
+            </a:r>
+          </a:p>
+          <a:p>
+            <a:r>
+              <a:rPr lang="en-US" dirty="0"/>
+              <a:t>How do we do pt?</a:t>
+            </a:r>
+          </a:p>
+          <a:p>
+            <a:r>
+              <a:rPr lang="en-IN" dirty="0"/>
+              <a:t>Point in space when projected </a:t>
+            </a:r>
+          </a:p>
+          <a:p>
+            <a:pPr marL="0" indent="0">
+              <a:buNone/>
+            </a:pPr>
+            <a:r>
+              <a:rPr lang="en-IN" dirty="0"/>
+              <a:t>On image plane aligns with </a:t>
+            </a:r>
+          </a:p>
+          <a:p>
+            <a:pPr marL="0" indent="0">
+              <a:buNone/>
+            </a:pPr>
+            <a:r>
+              <a:rPr lang="en-IN" dirty="0"/>
+              <a:t>Optical </a:t>
+            </a:r>
+            <a:r>
+              <a:rPr lang="en-IN" dirty="0" err="1"/>
+              <a:t>center</a:t>
+            </a:r>
+            <a:r>
+              <a:rPr lang="en-IN" dirty="0"/>
+              <a:t> of camera</a:t>
+            </a:r>
+          </a:p>
+          <a:p>
+            <a:pPr marL="0" indent="0">
+              <a:buNone/>
+            </a:pPr>
+            <a:r>
+              <a:rPr lang="en-IN" dirty="0"/>
+              <a:t>On a straight line</a:t>
+            </a:r>
+          </a:p>
+          <a:p>
+            <a:r>
+              <a:rPr lang="en-IN" dirty="0"/>
+              <a:t>Establish camera cs with optical</a:t>
+            </a:r>
+          </a:p>
+          <a:p>
+            <a:pPr marL="0" indent="0">
+              <a:buNone/>
+            </a:pPr>
+            <a:r>
+              <a:rPr lang="en-IN" dirty="0" err="1"/>
+              <a:t>Center</a:t>
+            </a:r>
+            <a:r>
+              <a:rPr lang="en-IN" dirty="0"/>
+              <a:t> as origin</a:t>
+            </a:r>
+          </a:p>
+          <a:p>
             <a:endParaRPr lang="en-IN" dirty="0"/>
           </a:p>
         </p:txBody>
       </p:sp>
-      <p:sp>
-        <p:nvSpPr>
-          <p:cNvPr id="3" name="Content Placeholder 2">
-            <a:extLst>
-              <a:ext uri="{FF2B5EF4-FFF2-40B4-BE49-F238E27FC236}">
-                <a16:creationId xmlns:a16="http://schemas.microsoft.com/office/drawing/2014/main" id="{DFC4FF0E-0BAA-CFC4-2477-7B103A14A1D0}"/>
-              </a:ext>
-            </a:extLst>
-          </p:cNvPr>
-          <p:cNvSpPr>
-            <a:spLocks noGrp="1"/>
-          </p:cNvSpPr>
-          <p:nvPr>
-            <p:ph idx="1"/>
-          </p:nvPr>
-        </p:nvSpPr>
-        <p:spPr/>
-        <p:txBody>
-          <a:bodyPr>
-            <a:normAutofit/>
-          </a:bodyPr>
-          <a:lstStyle/>
-          <a:p>
-            <a:r>
-              <a:rPr lang="en-US" dirty="0"/>
-              <a:t>Intrinsic parameters include focal length, decenter coefficient, and skew coefficient.</a:t>
-            </a:r>
-            <a:br>
-              <a:rPr lang="en-US" dirty="0"/>
-            </a:br>
-            <a:r>
-              <a:rPr lang="en-US" dirty="0"/>
-              <a:t>(1) </a:t>
-            </a:r>
-            <a:r>
-              <a:rPr lang="en-US" b="1" dirty="0"/>
-              <a:t>Focal length</a:t>
-            </a:r>
-            <a:endParaRPr lang="en-US" dirty="0"/>
-          </a:p>
-          <a:p>
-            <a:r>
-              <a:rPr lang="en-US" dirty="0"/>
-              <a:t>(2) </a:t>
-            </a:r>
-            <a:r>
-              <a:rPr lang="en-US" b="1" dirty="0"/>
-              <a:t>Decenter coefficient</a:t>
-            </a:r>
-            <a:br>
-              <a:rPr lang="en-US" dirty="0"/>
-            </a:br>
-            <a:r>
-              <a:rPr lang="en-US" dirty="0"/>
-              <a:t>(3) </a:t>
-            </a:r>
-            <a:r>
-              <a:rPr lang="en-US" b="1" dirty="0"/>
-              <a:t>Skew Coefficient</a:t>
-            </a:r>
-            <a:endParaRPr lang="en-US" dirty="0"/>
-          </a:p>
-          <a:p>
-            <a:pPr fontAlgn="base"/>
-            <a:r>
-              <a:rPr lang="en-US" b="1" dirty="0"/>
-              <a:t>Extrinsic parameters</a:t>
-            </a:r>
-          </a:p>
-          <a:p>
-            <a:r>
-              <a:rPr lang="en-US" dirty="0"/>
-              <a:t>Extrinsic parameter represents the relative position and orientation between the </a:t>
-            </a:r>
-            <a:r>
-              <a:rPr lang="en-US" u="sng" dirty="0"/>
-              <a:t>TOF camera </a:t>
-            </a:r>
-            <a:r>
-              <a:rPr lang="en-US" dirty="0"/>
-              <a:t>and the RGB camera, consisting of 3D rotation and 3D translation</a:t>
-            </a:r>
-            <a:endParaRPr lang="en-IN" dirty="0"/>
-          </a:p>
-        </p:txBody>
-      </p:sp>
+      <p:pic>
+        <p:nvPicPr>
+          <p:cNvPr id="5" name="Picture 4">
+            <a:extLst>
+              <a:ext uri="{FF2B5EF4-FFF2-40B4-BE49-F238E27FC236}">
+                <a16:creationId xmlns:a16="http://schemas.microsoft.com/office/drawing/2014/main" id="{D44138F4-1736-03DA-7488-FCAA668A69F9}"/>
+              </a:ext>
+            </a:extLst>
+          </p:cNvPr>
+          <p:cNvPicPr>
+            <a:picLocks noChangeAspect="1"/>
+          </p:cNvPicPr>
+          <p:nvPr/>
+        </p:nvPicPr>
+        <p:blipFill>
+          <a:blip r:embed="rId2"/>
+          <a:stretch>
+            <a:fillRect/>
+          </a:stretch>
+        </p:blipFill>
+        <p:spPr>
+          <a:xfrm>
+            <a:off x="6963630" y="1160618"/>
+            <a:ext cx="5125304" cy="3967720"/>
+          </a:xfrm>
+          <a:prstGeom prst="rect">
+            <a:avLst/>
+          </a:prstGeom>
+        </p:spPr>
+      </p:pic>
+      <p:pic>
+        <p:nvPicPr>
+          <p:cNvPr id="7" name="Picture 6">
+            <a:extLst>
+              <a:ext uri="{FF2B5EF4-FFF2-40B4-BE49-F238E27FC236}">
+                <a16:creationId xmlns:a16="http://schemas.microsoft.com/office/drawing/2014/main" id="{F95C6CD8-26CD-99EB-54C5-C176CE3E2233}"/>
+              </a:ext>
+            </a:extLst>
+          </p:cNvPr>
+          <p:cNvPicPr>
+            <a:picLocks noChangeAspect="1"/>
+          </p:cNvPicPr>
+          <p:nvPr/>
+        </p:nvPicPr>
+        <p:blipFill>
+          <a:blip r:embed="rId3"/>
+          <a:stretch>
+            <a:fillRect/>
+          </a:stretch>
+        </p:blipFill>
+        <p:spPr>
+          <a:xfrm>
+            <a:off x="429785" y="5151357"/>
+            <a:ext cx="6125430" cy="1152686"/>
+          </a:xfrm>
+          <a:prstGeom prst="rect">
+            <a:avLst/>
+          </a:prstGeom>
+        </p:spPr>
+      </p:pic>
+      <p:pic>
+        <p:nvPicPr>
+          <p:cNvPr id="9" name="Picture 8">
+            <a:extLst>
+              <a:ext uri="{FF2B5EF4-FFF2-40B4-BE49-F238E27FC236}">
+                <a16:creationId xmlns:a16="http://schemas.microsoft.com/office/drawing/2014/main" id="{AE9ACF98-C414-BD67-EEED-ED46DF531288}"/>
+              </a:ext>
+            </a:extLst>
+          </p:cNvPr>
+          <p:cNvPicPr>
+            <a:picLocks noChangeAspect="1"/>
+          </p:cNvPicPr>
+          <p:nvPr/>
+        </p:nvPicPr>
+        <p:blipFill>
+          <a:blip r:embed="rId4"/>
+          <a:stretch>
+            <a:fillRect/>
+          </a:stretch>
+        </p:blipFill>
+        <p:spPr>
+          <a:xfrm>
+            <a:off x="6963630" y="5416537"/>
+            <a:ext cx="4572638" cy="1209844"/>
+          </a:xfrm>
+          <a:prstGeom prst="rect">
+            <a:avLst/>
+          </a:prstGeom>
+        </p:spPr>
+      </p:pic>
     </p:spTree>
     <p:extLst>
       <p:ext uri="{BB962C8B-B14F-4D97-AF65-F5344CB8AC3E}">
-        <p14:creationId xmlns:p14="http://schemas.microsoft.com/office/powerpoint/2010/main" val="1069672703"/>
+        <p14:creationId xmlns:p14="http://schemas.microsoft.com/office/powerpoint/2010/main" val="1586890190"/>
       </p:ext>
     </p:extLst>
   </p:cSld>
